--- a/doc/Presentation.pptx
+++ b/doc/Presentation.pptx
@@ -188,7 +188,7 @@
           <a:blip r:embed="rId2" cstate="print">
             <a:extLst>
               <a:ext uri="{28A0092B-C50C-407E-A947-70E740481C1C}">
-                <a14:useLocalDpi xmlns="" xmlns:a14="http://schemas.microsoft.com/office/drawing/2010/main" val="0"/>
+                <a14:useLocalDpi xmlns:a14="http://schemas.microsoft.com/office/drawing/2010/main" xmlns="" val="0"/>
               </a:ext>
             </a:extLst>
           </a:blip>
@@ -208,7 +208,7 @@
           <a:noFill/>
           <a:extLst>
             <a:ext uri="{909E8E84-426E-40DD-AFC4-6F175D3DCCD1}">
-              <a14:hiddenFill xmlns="" xmlns:a14="http://schemas.microsoft.com/office/drawing/2010/main">
+              <a14:hiddenFill xmlns:a14="http://schemas.microsoft.com/office/drawing/2010/main" xmlns="">
                 <a:solidFill>
                   <a:srgbClr val="FFFFFF"/>
                 </a:solidFill>
@@ -239,14 +239,14 @@
           </a:ln>
           <a:extLst>
             <a:ext uri="{909E8E84-426E-40DD-AFC4-6F175D3DCCD1}">
-              <a14:hiddenFill xmlns="" xmlns:a14="http://schemas.microsoft.com/office/drawing/2010/main">
+              <a14:hiddenFill xmlns:a14="http://schemas.microsoft.com/office/drawing/2010/main" xmlns="">
                 <a:solidFill>
                   <a:srgbClr val="FFFFFF"/>
                 </a:solidFill>
               </a14:hiddenFill>
             </a:ext>
             <a:ext uri="{91240B29-F687-4F45-9708-019B960494DF}">
-              <a14:hiddenLine xmlns="" xmlns:a14="http://schemas.microsoft.com/office/drawing/2010/main" w="9525">
+              <a14:hiddenLine xmlns:a14="http://schemas.microsoft.com/office/drawing/2010/main" xmlns="" w="9525">
                 <a:solidFill>
                   <a:srgbClr val="000000"/>
                 </a:solidFill>
@@ -402,7 +402,7 @@
     </p:spTree>
     <p:extLst>
       <p:ext uri="{BB962C8B-B14F-4D97-AF65-F5344CB8AC3E}">
-        <p14:creationId xmlns="" xmlns:p14="http://schemas.microsoft.com/office/powerpoint/2010/main" val="3452287503"/>
+        <p14:creationId xmlns:p14="http://schemas.microsoft.com/office/powerpoint/2010/main" xmlns="" val="3452287503"/>
       </p:ext>
     </p:extLst>
   </p:cSld>
@@ -573,7 +573,7 @@
           <a:blip r:embed="rId2">
             <a:extLst>
               <a:ext uri="{28A0092B-C50C-407E-A947-70E740481C1C}">
-                <a14:useLocalDpi xmlns="" xmlns:a14="http://schemas.microsoft.com/office/drawing/2010/main" val="0"/>
+                <a14:useLocalDpi xmlns:a14="http://schemas.microsoft.com/office/drawing/2010/main" xmlns="" val="0"/>
               </a:ext>
             </a:extLst>
           </a:blip>
@@ -593,7 +593,7 @@
           <a:noFill/>
           <a:extLst>
             <a:ext uri="{909E8E84-426E-40DD-AFC4-6F175D3DCCD1}">
-              <a14:hiddenFill xmlns="" xmlns:a14="http://schemas.microsoft.com/office/drawing/2010/main">
+              <a14:hiddenFill xmlns:a14="http://schemas.microsoft.com/office/drawing/2010/main" xmlns="">
                 <a:solidFill>
                   <a:srgbClr val="FFFFFF"/>
                 </a:solidFill>
@@ -624,14 +624,14 @@
           </a:ln>
           <a:extLst>
             <a:ext uri="{909E8E84-426E-40DD-AFC4-6F175D3DCCD1}">
-              <a14:hiddenFill xmlns="" xmlns:a14="http://schemas.microsoft.com/office/drawing/2010/main">
+              <a14:hiddenFill xmlns:a14="http://schemas.microsoft.com/office/drawing/2010/main" xmlns="">
                 <a:solidFill>
                   <a:srgbClr val="FFFFFF"/>
                 </a:solidFill>
               </a14:hiddenFill>
             </a:ext>
             <a:ext uri="{91240B29-F687-4F45-9708-019B960494DF}">
-              <a14:hiddenLine xmlns="" xmlns:a14="http://schemas.microsoft.com/office/drawing/2010/main" w="9525">
+              <a14:hiddenLine xmlns:a14="http://schemas.microsoft.com/office/drawing/2010/main" xmlns="" w="9525">
                 <a:solidFill>
                   <a:srgbClr val="000000"/>
                 </a:solidFill>
@@ -787,7 +787,7 @@
     </p:spTree>
     <p:extLst>
       <p:ext uri="{BB962C8B-B14F-4D97-AF65-F5344CB8AC3E}">
-        <p14:creationId xmlns="" xmlns:p14="http://schemas.microsoft.com/office/powerpoint/2010/main" val="573435375"/>
+        <p14:creationId xmlns:p14="http://schemas.microsoft.com/office/powerpoint/2010/main" xmlns="" val="573435375"/>
       </p:ext>
     </p:extLst>
   </p:cSld>
@@ -1012,7 +1012,7 @@
           <a:blip r:embed="rId3" cstate="print">
             <a:extLst>
               <a:ext uri="{28A0092B-C50C-407E-A947-70E740481C1C}">
-                <a14:useLocalDpi xmlns="" xmlns:a14="http://schemas.microsoft.com/office/drawing/2010/main" val="0"/>
+                <a14:useLocalDpi xmlns:a14="http://schemas.microsoft.com/office/drawing/2010/main" xmlns="" val="0"/>
               </a:ext>
             </a:extLst>
           </a:blip>
@@ -1032,7 +1032,7 @@
           <a:noFill/>
           <a:extLst>
             <a:ext uri="{909E8E84-426E-40DD-AFC4-6F175D3DCCD1}">
-              <a14:hiddenFill xmlns="" xmlns:a14="http://schemas.microsoft.com/office/drawing/2010/main">
+              <a14:hiddenFill xmlns:a14="http://schemas.microsoft.com/office/drawing/2010/main" xmlns="">
                 <a:solidFill>
                   <a:srgbClr val="FFFFFF"/>
                 </a:solidFill>
@@ -1258,14 +1258,14 @@
           </a:ln>
           <a:extLst>
             <a:ext uri="{909E8E84-426E-40DD-AFC4-6F175D3DCCD1}">
-              <a14:hiddenFill xmlns="" xmlns:a14="http://schemas.microsoft.com/office/drawing/2010/main">
+              <a14:hiddenFill xmlns:a14="http://schemas.microsoft.com/office/drawing/2010/main" xmlns="">
                 <a:solidFill>
                   <a:srgbClr val="FFFFFF"/>
                 </a:solidFill>
               </a14:hiddenFill>
             </a:ext>
             <a:ext uri="{91240B29-F687-4F45-9708-019B960494DF}">
-              <a14:hiddenLine xmlns="" xmlns:a14="http://schemas.microsoft.com/office/drawing/2010/main" w="9525">
+              <a14:hiddenLine xmlns:a14="http://schemas.microsoft.com/office/drawing/2010/main" xmlns="" w="9525">
                 <a:solidFill>
                   <a:srgbClr val="000000"/>
                 </a:solidFill>
@@ -1413,14 +1413,14 @@
           </a:ln>
           <a:extLst>
             <a:ext uri="{909E8E84-426E-40DD-AFC4-6F175D3DCCD1}">
-              <a14:hiddenFill xmlns="" xmlns:a14="http://schemas.microsoft.com/office/drawing/2010/main">
+              <a14:hiddenFill xmlns:a14="http://schemas.microsoft.com/office/drawing/2010/main" xmlns="">
                 <a:solidFill>
                   <a:srgbClr val="FFFFFF"/>
                 </a:solidFill>
               </a14:hiddenFill>
             </a:ext>
             <a:ext uri="{91240B29-F687-4F45-9708-019B960494DF}">
-              <a14:hiddenLine xmlns="" xmlns:a14="http://schemas.microsoft.com/office/drawing/2010/main" w="9525">
+              <a14:hiddenLine xmlns:a14="http://schemas.microsoft.com/office/drawing/2010/main" xmlns="" w="9525">
                 <a:solidFill>
                   <a:srgbClr val="000000"/>
                 </a:solidFill>
@@ -1580,7 +1580,7 @@
     </p:spTree>
     <p:extLst>
       <p:ext uri="{BB962C8B-B14F-4D97-AF65-F5344CB8AC3E}">
-        <p14:creationId xmlns="" xmlns:p14="http://schemas.microsoft.com/office/powerpoint/2010/main" val="2559735626"/>
+        <p14:creationId xmlns:p14="http://schemas.microsoft.com/office/powerpoint/2010/main" xmlns="" val="2559735626"/>
       </p:ext>
     </p:extLst>
   </p:cSld>
@@ -1633,7 +1633,7 @@
           <a:blip r:embed="rId3" cstate="print">
             <a:extLst>
               <a:ext uri="{28A0092B-C50C-407E-A947-70E740481C1C}">
-                <a14:useLocalDpi xmlns="" xmlns:a14="http://schemas.microsoft.com/office/drawing/2010/main" val="0"/>
+                <a14:useLocalDpi xmlns:a14="http://schemas.microsoft.com/office/drawing/2010/main" xmlns="" val="0"/>
               </a:ext>
             </a:extLst>
           </a:blip>
@@ -1653,7 +1653,7 @@
           <a:noFill/>
           <a:extLst>
             <a:ext uri="{909E8E84-426E-40DD-AFC4-6F175D3DCCD1}">
-              <a14:hiddenFill xmlns="" xmlns:a14="http://schemas.microsoft.com/office/drawing/2010/main">
+              <a14:hiddenFill xmlns:a14="http://schemas.microsoft.com/office/drawing/2010/main" xmlns="">
                 <a:solidFill>
                   <a:srgbClr val="FFFFFF"/>
                 </a:solidFill>
@@ -1879,14 +1879,14 @@
           </a:ln>
           <a:extLst>
             <a:ext uri="{909E8E84-426E-40DD-AFC4-6F175D3DCCD1}">
-              <a14:hiddenFill xmlns="" xmlns:a14="http://schemas.microsoft.com/office/drawing/2010/main">
+              <a14:hiddenFill xmlns:a14="http://schemas.microsoft.com/office/drawing/2010/main" xmlns="">
                 <a:solidFill>
                   <a:srgbClr val="FFFFFF"/>
                 </a:solidFill>
               </a14:hiddenFill>
             </a:ext>
             <a:ext uri="{91240B29-F687-4F45-9708-019B960494DF}">
-              <a14:hiddenLine xmlns="" xmlns:a14="http://schemas.microsoft.com/office/drawing/2010/main" w="9525">
+              <a14:hiddenLine xmlns:a14="http://schemas.microsoft.com/office/drawing/2010/main" xmlns="" w="9525">
                 <a:solidFill>
                   <a:srgbClr val="000000"/>
                 </a:solidFill>
@@ -2034,14 +2034,14 @@
           </a:ln>
           <a:extLst>
             <a:ext uri="{909E8E84-426E-40DD-AFC4-6F175D3DCCD1}">
-              <a14:hiddenFill xmlns="" xmlns:a14="http://schemas.microsoft.com/office/drawing/2010/main">
+              <a14:hiddenFill xmlns:a14="http://schemas.microsoft.com/office/drawing/2010/main" xmlns="">
                 <a:solidFill>
                   <a:srgbClr val="FFFFFF"/>
                 </a:solidFill>
               </a14:hiddenFill>
             </a:ext>
             <a:ext uri="{91240B29-F687-4F45-9708-019B960494DF}">
-              <a14:hiddenLine xmlns="" xmlns:a14="http://schemas.microsoft.com/office/drawing/2010/main" w="9525">
+              <a14:hiddenLine xmlns:a14="http://schemas.microsoft.com/office/drawing/2010/main" xmlns="" w="9525">
                 <a:solidFill>
                   <a:srgbClr val="000000"/>
                 </a:solidFill>
@@ -2360,7 +2360,7 @@
     </p:spTree>
     <p:extLst>
       <p:ext uri="{BB962C8B-B14F-4D97-AF65-F5344CB8AC3E}">
-        <p14:creationId xmlns="" xmlns:p14="http://schemas.microsoft.com/office/powerpoint/2010/main" val="60913867"/>
+        <p14:creationId xmlns:p14="http://schemas.microsoft.com/office/powerpoint/2010/main" xmlns="" val="60913867"/>
       </p:ext>
     </p:extLst>
   </p:cSld>
@@ -2399,7 +2399,7 @@
           <a:blip r:embed="rId2" cstate="print">
             <a:extLst>
               <a:ext uri="{28A0092B-C50C-407E-A947-70E740481C1C}">
-                <a14:useLocalDpi xmlns="" xmlns:a14="http://schemas.microsoft.com/office/drawing/2010/main" val="0"/>
+                <a14:useLocalDpi xmlns:a14="http://schemas.microsoft.com/office/drawing/2010/main" xmlns="" val="0"/>
               </a:ext>
             </a:extLst>
           </a:blip>
@@ -2419,7 +2419,7 @@
           <a:noFill/>
           <a:extLst>
             <a:ext uri="{909E8E84-426E-40DD-AFC4-6F175D3DCCD1}">
-              <a14:hiddenFill xmlns="" xmlns:a14="http://schemas.microsoft.com/office/drawing/2010/main">
+              <a14:hiddenFill xmlns:a14="http://schemas.microsoft.com/office/drawing/2010/main" xmlns="">
                 <a:solidFill>
                   <a:srgbClr val="FFFFFF"/>
                 </a:solidFill>
@@ -2854,14 +2854,14 @@
           </a:ln>
           <a:extLst>
             <a:ext uri="{909E8E84-426E-40DD-AFC4-6F175D3DCCD1}">
-              <a14:hiddenFill xmlns="" xmlns:a14="http://schemas.microsoft.com/office/drawing/2010/main">
+              <a14:hiddenFill xmlns:a14="http://schemas.microsoft.com/office/drawing/2010/main" xmlns="">
                 <a:solidFill>
                   <a:srgbClr val="FFFFFF"/>
                 </a:solidFill>
               </a14:hiddenFill>
             </a:ext>
             <a:ext uri="{91240B29-F687-4F45-9708-019B960494DF}">
-              <a14:hiddenLine xmlns="" xmlns:a14="http://schemas.microsoft.com/office/drawing/2010/main" w="9525">
+              <a14:hiddenLine xmlns:a14="http://schemas.microsoft.com/office/drawing/2010/main" xmlns="" w="9525">
                 <a:solidFill>
                   <a:srgbClr val="000000"/>
                 </a:solidFill>
@@ -3009,14 +3009,14 @@
           </a:ln>
           <a:extLst>
             <a:ext uri="{909E8E84-426E-40DD-AFC4-6F175D3DCCD1}">
-              <a14:hiddenFill xmlns="" xmlns:a14="http://schemas.microsoft.com/office/drawing/2010/main">
+              <a14:hiddenFill xmlns:a14="http://schemas.microsoft.com/office/drawing/2010/main" xmlns="">
                 <a:solidFill>
                   <a:srgbClr val="FFFFFF"/>
                 </a:solidFill>
               </a14:hiddenFill>
             </a:ext>
             <a:ext uri="{91240B29-F687-4F45-9708-019B960494DF}">
-              <a14:hiddenLine xmlns="" xmlns:a14="http://schemas.microsoft.com/office/drawing/2010/main" w="9525">
+              <a14:hiddenLine xmlns:a14="http://schemas.microsoft.com/office/drawing/2010/main" xmlns="" w="9525">
                 <a:solidFill>
                   <a:srgbClr val="000000"/>
                 </a:solidFill>
@@ -3137,7 +3137,7 @@
     </p:spTree>
     <p:extLst>
       <p:ext uri="{BB962C8B-B14F-4D97-AF65-F5344CB8AC3E}">
-        <p14:creationId xmlns="" xmlns:p14="http://schemas.microsoft.com/office/powerpoint/2010/main" val="3144987328"/>
+        <p14:creationId xmlns:p14="http://schemas.microsoft.com/office/powerpoint/2010/main" xmlns="" val="3144987328"/>
       </p:ext>
     </p:extLst>
   </p:cSld>
@@ -3280,7 +3280,7 @@
     </p:spTree>
     <p:extLst>
       <p:ext uri="{BB962C8B-B14F-4D97-AF65-F5344CB8AC3E}">
-        <p14:creationId xmlns="" xmlns:p14="http://schemas.microsoft.com/office/powerpoint/2010/main" val="3286988589"/>
+        <p14:creationId xmlns:p14="http://schemas.microsoft.com/office/powerpoint/2010/main" xmlns="" val="3286988589"/>
       </p:ext>
     </p:extLst>
   </p:cSld>
@@ -3423,7 +3423,7 @@
     </p:spTree>
     <p:extLst>
       <p:ext uri="{BB962C8B-B14F-4D97-AF65-F5344CB8AC3E}">
-        <p14:creationId xmlns="" xmlns:p14="http://schemas.microsoft.com/office/powerpoint/2010/main" val="3793953479"/>
+        <p14:creationId xmlns:p14="http://schemas.microsoft.com/office/powerpoint/2010/main" xmlns="" val="3793953479"/>
       </p:ext>
     </p:extLst>
   </p:cSld>
@@ -3600,7 +3600,7 @@
     </p:spTree>
     <p:extLst>
       <p:ext uri="{BB962C8B-B14F-4D97-AF65-F5344CB8AC3E}">
-        <p14:creationId xmlns="" xmlns:p14="http://schemas.microsoft.com/office/powerpoint/2010/main" val="2233240941"/>
+        <p14:creationId xmlns:p14="http://schemas.microsoft.com/office/powerpoint/2010/main" xmlns="" val="2233240941"/>
       </p:ext>
     </p:extLst>
   </p:cSld>
@@ -3777,7 +3777,7 @@
     </p:spTree>
     <p:extLst>
       <p:ext uri="{BB962C8B-B14F-4D97-AF65-F5344CB8AC3E}">
-        <p14:creationId xmlns="" xmlns:p14="http://schemas.microsoft.com/office/powerpoint/2010/main" val="2763228236"/>
+        <p14:creationId xmlns:p14="http://schemas.microsoft.com/office/powerpoint/2010/main" xmlns="" val="2763228236"/>
       </p:ext>
     </p:extLst>
   </p:cSld>
@@ -3954,7 +3954,7 @@
     </p:spTree>
     <p:extLst>
       <p:ext uri="{BB962C8B-B14F-4D97-AF65-F5344CB8AC3E}">
-        <p14:creationId xmlns="" xmlns:p14="http://schemas.microsoft.com/office/powerpoint/2010/main" val="3103317738"/>
+        <p14:creationId xmlns:p14="http://schemas.microsoft.com/office/powerpoint/2010/main" xmlns="" val="3103317738"/>
       </p:ext>
     </p:extLst>
   </p:cSld>
@@ -4131,7 +4131,7 @@
     </p:spTree>
     <p:extLst>
       <p:ext uri="{BB962C8B-B14F-4D97-AF65-F5344CB8AC3E}">
-        <p14:creationId xmlns="" xmlns:p14="http://schemas.microsoft.com/office/powerpoint/2010/main" val="1162058293"/>
+        <p14:creationId xmlns:p14="http://schemas.microsoft.com/office/powerpoint/2010/main" xmlns="" val="1162058293"/>
       </p:ext>
     </p:extLst>
   </p:cSld>
@@ -4170,7 +4170,7 @@
           <a:blip r:embed="rId2" cstate="print">
             <a:extLst>
               <a:ext uri="{28A0092B-C50C-407E-A947-70E740481C1C}">
-                <a14:useLocalDpi xmlns="" xmlns:a14="http://schemas.microsoft.com/office/drawing/2010/main" val="0"/>
+                <a14:useLocalDpi xmlns:a14="http://schemas.microsoft.com/office/drawing/2010/main" xmlns="" val="0"/>
               </a:ext>
             </a:extLst>
           </a:blip>
@@ -4190,7 +4190,7 @@
           <a:noFill/>
           <a:extLst>
             <a:ext uri="{909E8E84-426E-40DD-AFC4-6F175D3DCCD1}">
-              <a14:hiddenFill xmlns="" xmlns:a14="http://schemas.microsoft.com/office/drawing/2010/main">
+              <a14:hiddenFill xmlns:a14="http://schemas.microsoft.com/office/drawing/2010/main" xmlns="">
                 <a:solidFill>
                   <a:srgbClr val="FFFFFF"/>
                 </a:solidFill>
@@ -4621,14 +4621,14 @@
           </a:ln>
           <a:extLst>
             <a:ext uri="{909E8E84-426E-40DD-AFC4-6F175D3DCCD1}">
-              <a14:hiddenFill xmlns="" xmlns:a14="http://schemas.microsoft.com/office/drawing/2010/main">
+              <a14:hiddenFill xmlns:a14="http://schemas.microsoft.com/office/drawing/2010/main" xmlns="">
                 <a:solidFill>
                   <a:srgbClr val="FFFFFF"/>
                 </a:solidFill>
               </a14:hiddenFill>
             </a:ext>
             <a:ext uri="{91240B29-F687-4F45-9708-019B960494DF}">
-              <a14:hiddenLine xmlns="" xmlns:a14="http://schemas.microsoft.com/office/drawing/2010/main" w="9525">
+              <a14:hiddenLine xmlns:a14="http://schemas.microsoft.com/office/drawing/2010/main" xmlns="" w="9525">
                 <a:solidFill>
                   <a:srgbClr val="000000"/>
                 </a:solidFill>
@@ -4776,14 +4776,14 @@
           </a:ln>
           <a:extLst>
             <a:ext uri="{909E8E84-426E-40DD-AFC4-6F175D3DCCD1}">
-              <a14:hiddenFill xmlns="" xmlns:a14="http://schemas.microsoft.com/office/drawing/2010/main">
+              <a14:hiddenFill xmlns:a14="http://schemas.microsoft.com/office/drawing/2010/main" xmlns="">
                 <a:solidFill>
                   <a:srgbClr val="FFFFFF"/>
                 </a:solidFill>
               </a14:hiddenFill>
             </a:ext>
             <a:ext uri="{91240B29-F687-4F45-9708-019B960494DF}">
-              <a14:hiddenLine xmlns="" xmlns:a14="http://schemas.microsoft.com/office/drawing/2010/main" w="9525">
+              <a14:hiddenLine xmlns:a14="http://schemas.microsoft.com/office/drawing/2010/main" xmlns="" w="9525">
                 <a:solidFill>
                   <a:srgbClr val="000000"/>
                 </a:solidFill>
@@ -4904,7 +4904,7 @@
     </p:spTree>
     <p:extLst>
       <p:ext uri="{BB962C8B-B14F-4D97-AF65-F5344CB8AC3E}">
-        <p14:creationId xmlns="" xmlns:p14="http://schemas.microsoft.com/office/powerpoint/2010/main" val="3666109975"/>
+        <p14:creationId xmlns:p14="http://schemas.microsoft.com/office/powerpoint/2010/main" xmlns="" val="3666109975"/>
       </p:ext>
     </p:extLst>
   </p:cSld>
@@ -5052,7 +5052,7 @@
     </p:spTree>
     <p:extLst>
       <p:ext uri="{BB962C8B-B14F-4D97-AF65-F5344CB8AC3E}">
-        <p14:creationId xmlns="" xmlns:p14="http://schemas.microsoft.com/office/powerpoint/2010/main" val="2819493706"/>
+        <p14:creationId xmlns:p14="http://schemas.microsoft.com/office/powerpoint/2010/main" xmlns="" val="2819493706"/>
       </p:ext>
     </p:extLst>
   </p:cSld>
@@ -5195,7 +5195,7 @@
     </p:spTree>
     <p:extLst>
       <p:ext uri="{BB962C8B-B14F-4D97-AF65-F5344CB8AC3E}">
-        <p14:creationId xmlns="" xmlns:p14="http://schemas.microsoft.com/office/powerpoint/2010/main" val="77092263"/>
+        <p14:creationId xmlns:p14="http://schemas.microsoft.com/office/powerpoint/2010/main" xmlns="" val="77092263"/>
       </p:ext>
     </p:extLst>
   </p:cSld>
@@ -5376,7 +5376,7 @@
     </p:spTree>
     <p:extLst>
       <p:ext uri="{BB962C8B-B14F-4D97-AF65-F5344CB8AC3E}">
-        <p14:creationId xmlns="" xmlns:p14="http://schemas.microsoft.com/office/powerpoint/2010/main" val="2738860221"/>
+        <p14:creationId xmlns:p14="http://schemas.microsoft.com/office/powerpoint/2010/main" xmlns="" val="2738860221"/>
       </p:ext>
     </p:extLst>
   </p:cSld>
@@ -5557,7 +5557,7 @@
     </p:spTree>
     <p:extLst>
       <p:ext uri="{BB962C8B-B14F-4D97-AF65-F5344CB8AC3E}">
-        <p14:creationId xmlns="" xmlns:p14="http://schemas.microsoft.com/office/powerpoint/2010/main" val="650290521"/>
+        <p14:creationId xmlns:p14="http://schemas.microsoft.com/office/powerpoint/2010/main" xmlns="" val="650290521"/>
       </p:ext>
     </p:extLst>
   </p:cSld>
@@ -5738,7 +5738,7 @@
     </p:spTree>
     <p:extLst>
       <p:ext uri="{BB962C8B-B14F-4D97-AF65-F5344CB8AC3E}">
-        <p14:creationId xmlns="" xmlns:p14="http://schemas.microsoft.com/office/powerpoint/2010/main" val="3824870234"/>
+        <p14:creationId xmlns:p14="http://schemas.microsoft.com/office/powerpoint/2010/main" xmlns="" val="3824870234"/>
       </p:ext>
     </p:extLst>
   </p:cSld>
@@ -5919,7 +5919,7 @@
     </p:spTree>
     <p:extLst>
       <p:ext uri="{BB962C8B-B14F-4D97-AF65-F5344CB8AC3E}">
-        <p14:creationId xmlns="" xmlns:p14="http://schemas.microsoft.com/office/powerpoint/2010/main" val="3824870234"/>
+        <p14:creationId xmlns:p14="http://schemas.microsoft.com/office/powerpoint/2010/main" xmlns="" val="3824870234"/>
       </p:ext>
     </p:extLst>
   </p:cSld>
@@ -5958,7 +5958,7 @@
           <a:blip r:embed="rId2" cstate="print">
             <a:extLst>
               <a:ext uri="{28A0092B-C50C-407E-A947-70E740481C1C}">
-                <a14:useLocalDpi xmlns="" xmlns:a14="http://schemas.microsoft.com/office/drawing/2010/main" val="0"/>
+                <a14:useLocalDpi xmlns:a14="http://schemas.microsoft.com/office/drawing/2010/main" xmlns="" val="0"/>
               </a:ext>
             </a:extLst>
           </a:blip>
@@ -5978,7 +5978,7 @@
           <a:noFill/>
           <a:extLst>
             <a:ext uri="{909E8E84-426E-40DD-AFC4-6F175D3DCCD1}">
-              <a14:hiddenFill xmlns="" xmlns:a14="http://schemas.microsoft.com/office/drawing/2010/main">
+              <a14:hiddenFill xmlns:a14="http://schemas.microsoft.com/office/drawing/2010/main" xmlns="">
                 <a:solidFill>
                   <a:srgbClr val="FFFFFF"/>
                 </a:solidFill>
@@ -6166,14 +6166,14 @@
           </a:ln>
           <a:extLst>
             <a:ext uri="{909E8E84-426E-40DD-AFC4-6F175D3DCCD1}">
-              <a14:hiddenFill xmlns="" xmlns:a14="http://schemas.microsoft.com/office/drawing/2010/main">
+              <a14:hiddenFill xmlns:a14="http://schemas.microsoft.com/office/drawing/2010/main" xmlns="">
                 <a:solidFill>
                   <a:srgbClr val="FFFFFF"/>
                 </a:solidFill>
               </a14:hiddenFill>
             </a:ext>
             <a:ext uri="{91240B29-F687-4F45-9708-019B960494DF}">
-              <a14:hiddenLine xmlns="" xmlns:a14="http://schemas.microsoft.com/office/drawing/2010/main" w="9525">
+              <a14:hiddenLine xmlns:a14="http://schemas.microsoft.com/office/drawing/2010/main" xmlns="" w="9525">
                 <a:solidFill>
                   <a:srgbClr val="000000"/>
                 </a:solidFill>
@@ -6321,14 +6321,14 @@
           </a:ln>
           <a:extLst>
             <a:ext uri="{909E8E84-426E-40DD-AFC4-6F175D3DCCD1}">
-              <a14:hiddenFill xmlns="" xmlns:a14="http://schemas.microsoft.com/office/drawing/2010/main">
+              <a14:hiddenFill xmlns:a14="http://schemas.microsoft.com/office/drawing/2010/main" xmlns="">
                 <a:solidFill>
                   <a:srgbClr val="FFFFFF"/>
                 </a:solidFill>
               </a14:hiddenFill>
             </a:ext>
             <a:ext uri="{91240B29-F687-4F45-9708-019B960494DF}">
-              <a14:hiddenLine xmlns="" xmlns:a14="http://schemas.microsoft.com/office/drawing/2010/main" w="9525">
+              <a14:hiddenLine xmlns:a14="http://schemas.microsoft.com/office/drawing/2010/main" xmlns="" w="9525">
                 <a:solidFill>
                   <a:srgbClr val="000000"/>
                 </a:solidFill>
@@ -6657,14 +6657,14 @@
           </a:ln>
           <a:extLst>
             <a:ext uri="{909E8E84-426E-40DD-AFC4-6F175D3DCCD1}">
-              <a14:hiddenFill xmlns="" xmlns:a14="http://schemas.microsoft.com/office/drawing/2010/main">
+              <a14:hiddenFill xmlns:a14="http://schemas.microsoft.com/office/drawing/2010/main" xmlns="">
                 <a:solidFill>
                   <a:srgbClr val="FFFFFF"/>
                 </a:solidFill>
               </a14:hiddenFill>
             </a:ext>
             <a:ext uri="{91240B29-F687-4F45-9708-019B960494DF}">
-              <a14:hiddenLine xmlns="" xmlns:a14="http://schemas.microsoft.com/office/drawing/2010/main" w="9525">
+              <a14:hiddenLine xmlns:a14="http://schemas.microsoft.com/office/drawing/2010/main" xmlns="" w="9525">
                 <a:solidFill>
                   <a:srgbClr val="000000"/>
                 </a:solidFill>
@@ -6807,7 +6807,7 @@
     </p:spTree>
     <p:extLst>
       <p:ext uri="{BB962C8B-B14F-4D97-AF65-F5344CB8AC3E}">
-        <p14:creationId xmlns="" xmlns:p14="http://schemas.microsoft.com/office/powerpoint/2010/main" val="869552952"/>
+        <p14:creationId xmlns:p14="http://schemas.microsoft.com/office/powerpoint/2010/main" xmlns="" val="869552952"/>
       </p:ext>
     </p:extLst>
   </p:cSld>
@@ -7007,7 +7007,7 @@
     </p:spTree>
     <p:extLst>
       <p:ext uri="{BB962C8B-B14F-4D97-AF65-F5344CB8AC3E}">
-        <p14:creationId xmlns="" xmlns:p14="http://schemas.microsoft.com/office/powerpoint/2010/main" val="1762946546"/>
+        <p14:creationId xmlns:p14="http://schemas.microsoft.com/office/powerpoint/2010/main" xmlns="" val="1762946546"/>
       </p:ext>
     </p:extLst>
   </p:cSld>
@@ -7486,7 +7486,7 @@
     </p:spTree>
     <p:extLst>
       <p:ext uri="{BB962C8B-B14F-4D97-AF65-F5344CB8AC3E}">
-        <p14:creationId xmlns="" xmlns:p14="http://schemas.microsoft.com/office/powerpoint/2010/main" val="3399316055"/>
+        <p14:creationId xmlns:p14="http://schemas.microsoft.com/office/powerpoint/2010/main" xmlns="" val="3399316055"/>
       </p:ext>
     </p:extLst>
   </p:cSld>
@@ -7873,7 +7873,7 @@
     </p:spTree>
     <p:extLst>
       <p:ext uri="{BB962C8B-B14F-4D97-AF65-F5344CB8AC3E}">
-        <p14:creationId xmlns="" xmlns:p14="http://schemas.microsoft.com/office/powerpoint/2010/main" val="2797080380"/>
+        <p14:creationId xmlns:p14="http://schemas.microsoft.com/office/powerpoint/2010/main" xmlns="" val="2797080380"/>
       </p:ext>
     </p:extLst>
   </p:cSld>
@@ -7900,44 +7900,6 @@
           <a:chExt cx="0" cy="0"/>
         </a:xfrm>
       </p:grpSpPr>
-      <p:pic>
-        <p:nvPicPr>
-          <p:cNvPr id="12" name="Picture 10" descr="D:\Users\A500535\Pictures\Foto2.jpg"/>
-          <p:cNvPicPr>
-            <a:picLocks noChangeAspect="1" noChangeArrowheads="1"/>
-          </p:cNvPicPr>
-          <p:nvPr/>
-        </p:nvPicPr>
-        <p:blipFill>
-          <a:blip r:embed="rId2" cstate="print"/>
-          <a:srcRect l="26008" r="11089"/>
-          <a:stretch>
-            <a:fillRect/>
-          </a:stretch>
-        </p:blipFill>
-        <p:spPr bwMode="auto">
-          <a:xfrm>
-            <a:off x="323528" y="4083058"/>
-            <a:ext cx="1440160" cy="1717489"/>
-          </a:xfrm>
-          <a:prstGeom prst="roundRect">
-            <a:avLst>
-              <a:gd name="adj" fmla="val 8594"/>
-            </a:avLst>
-          </a:prstGeom>
-          <a:solidFill>
-            <a:srgbClr val="FFFFFF">
-              <a:shade val="85000"/>
-            </a:srgbClr>
-          </a:solidFill>
-          <a:ln>
-            <a:noFill/>
-          </a:ln>
-          <a:effectLst>
-            <a:reflection blurRad="12700" stA="38000" endPos="28000" dist="5000" dir="5400000" sy="-100000" algn="bl" rotWithShape="0"/>
-          </a:effectLst>
-        </p:spPr>
-      </p:pic>
       <p:sp>
         <p:nvSpPr>
           <p:cNvPr id="4" name="Title 3"/>
@@ -7980,7 +7942,7 @@
         <p:spPr>
           <a:xfrm>
             <a:off x="251520" y="1268760"/>
-            <a:ext cx="2851032" cy="4140000"/>
+            <a:ext cx="2851032" cy="4680520"/>
           </a:xfrm>
         </p:spPr>
         <p:txBody>
@@ -7989,11 +7951,7 @@
           <a:p>
             <a:r>
               <a:rPr lang="en-US" dirty="0" smtClean="0"/>
-              <a:t>Marco </a:t>
-            </a:r>
-            <a:r>
-              <a:rPr lang="en-US" dirty="0" smtClean="0"/>
-              <a:t>Franssen</a:t>
+              <a:t>Marco Franssen</a:t>
             </a:r>
           </a:p>
           <a:p>
@@ -8007,13 +7965,13 @@
             <a:pPr lvl="2"/>
             <a:r>
               <a:rPr lang="en-US" dirty="0" smtClean="0">
-                <a:hlinkClick r:id="rId3"/>
+                <a:hlinkClick r:id="rId2"/>
               </a:rPr>
               <a:t>@</a:t>
             </a:r>
             <a:r>
               <a:rPr lang="en-US" dirty="0" err="1" smtClean="0">
-                <a:hlinkClick r:id="rId3"/>
+                <a:hlinkClick r:id="rId2"/>
               </a:rPr>
               <a:t>marcofranssen</a:t>
             </a:r>
@@ -8030,6 +7988,21 @@
             <a:pPr lvl="2"/>
             <a:r>
               <a:rPr lang="en-US" dirty="0" smtClean="0"/>
+              <a:t>Architecture</a:t>
+            </a:r>
+          </a:p>
+          <a:p>
+            <a:pPr lvl="2"/>
+            <a:r>
+              <a:rPr lang="en-US" dirty="0" smtClean="0"/>
+              <a:t>Design Patterns</a:t>
+            </a:r>
+            <a:endParaRPr lang="en-US" dirty="0" smtClean="0"/>
+          </a:p>
+          <a:p>
+            <a:pPr lvl="2"/>
+            <a:r>
+              <a:rPr lang="en-US" dirty="0" smtClean="0"/>
               <a:t>Domain Driven Design</a:t>
             </a:r>
           </a:p>
@@ -8045,6 +8018,13 @@
             <a:r>
               <a:rPr lang="en-US" dirty="0" smtClean="0"/>
               <a:t>CQRS</a:t>
+            </a:r>
+          </a:p>
+          <a:p>
+            <a:pPr lvl="2"/>
+            <a:r>
+              <a:rPr lang="en-US" dirty="0" smtClean="0"/>
+              <a:t>Dependency Injection</a:t>
             </a:r>
             <a:endParaRPr lang="en-US" dirty="0" smtClean="0"/>
           </a:p>
@@ -8091,7 +8071,7 @@
         <p:spPr>
           <a:xfrm>
             <a:off x="3203848" y="1268760"/>
-            <a:ext cx="2779024" cy="4140000"/>
+            <a:ext cx="2779024" cy="4680520"/>
           </a:xfrm>
           <a:prstGeom prst="rect">
             <a:avLst/>
@@ -8165,13 +8145,13 @@
             </a:pPr>
             <a:r>
               <a:rPr lang="en-US" sz="1600" dirty="0" smtClean="0">
-                <a:hlinkClick r:id="rId4"/>
+                <a:hlinkClick r:id="rId3"/>
               </a:rPr>
               <a:t>@</a:t>
             </a:r>
             <a:r>
               <a:rPr lang="en-US" sz="1600" dirty="0" err="1" smtClean="0">
-                <a:hlinkClick r:id="rId4"/>
+                <a:hlinkClick r:id="rId3"/>
               </a:rPr>
               <a:t>jpgsaris</a:t>
             </a:r>
@@ -8259,7 +8239,7 @@
         <p:spPr>
           <a:xfrm>
             <a:off x="6012160" y="1268760"/>
-            <a:ext cx="2779024" cy="4140000"/>
+            <a:ext cx="2779024" cy="4680520"/>
           </a:xfrm>
           <a:prstGeom prst="rect">
             <a:avLst/>
@@ -8371,7 +8351,7 @@
                 <a:latin typeface="+mn-lt"/>
                 <a:ea typeface="+mn-ea"/>
                 <a:cs typeface="+mn-cs"/>
-                <a:hlinkClick r:id="rId5"/>
+                <a:hlinkClick r:id="rId4"/>
               </a:rPr>
               <a:t>@</a:t>
             </a:r>
@@ -8389,7 +8369,7 @@
                 <a:latin typeface="+mn-lt"/>
                 <a:ea typeface="+mn-ea"/>
                 <a:cs typeface="+mn-cs"/>
-                <a:hlinkClick r:id="rId5"/>
+                <a:hlinkClick r:id="rId4"/>
               </a:rPr>
               <a:t>svelde</a:t>
             </a:r>
@@ -8553,16 +8533,175 @@
           </a:p>
         </p:txBody>
       </p:sp>
+      <p:pic>
+        <p:nvPicPr>
+          <p:cNvPr id="12" name="Picture 10" descr="D:\Users\A500535\Pictures\Foto2.jpg"/>
+          <p:cNvPicPr>
+            <a:picLocks noChangeAspect="1" noChangeArrowheads="1"/>
+          </p:cNvPicPr>
+          <p:nvPr/>
+        </p:nvPicPr>
+        <p:blipFill>
+          <a:blip r:embed="rId5" cstate="print"/>
+          <a:srcRect l="26008" r="11089"/>
+          <a:stretch>
+            <a:fillRect/>
+          </a:stretch>
+        </p:blipFill>
+        <p:spPr bwMode="auto">
+          <a:xfrm>
+            <a:off x="251520" y="4365104"/>
+            <a:ext cx="1440160" cy="1717489"/>
+          </a:xfrm>
+          <a:prstGeom prst="roundRect">
+            <a:avLst>
+              <a:gd name="adj" fmla="val 8594"/>
+            </a:avLst>
+          </a:prstGeom>
+          <a:solidFill>
+            <a:srgbClr val="FFFFFF">
+              <a:shade val="85000"/>
+            </a:srgbClr>
+          </a:solidFill>
+          <a:ln>
+            <a:noFill/>
+          </a:ln>
+          <a:effectLst>
+            <a:reflection blurRad="12700" stA="38000" endPos="28000" dist="5000" dir="5400000" sy="-100000" algn="bl" rotWithShape="0"/>
+          </a:effectLst>
+        </p:spPr>
+      </p:pic>
     </p:spTree>
     <p:extLst>
       <p:ext uri="{BB962C8B-B14F-4D97-AF65-F5344CB8AC3E}">
-        <p14:creationId xmlns="" xmlns:p14="http://schemas.microsoft.com/office/powerpoint/2010/main" val="341994559"/>
+        <p14:creationId xmlns:p14="http://schemas.microsoft.com/office/powerpoint/2010/main" xmlns="" val="341994559"/>
       </p:ext>
     </p:extLst>
   </p:cSld>
   <p:clrMapOvr>
     <a:masterClrMapping/>
   </p:clrMapOvr>
+  <p:timing>
+    <p:tnLst>
+      <p:par>
+        <p:cTn id="1" dur="indefinite" restart="never" nodeType="tmRoot">
+          <p:childTnLst>
+            <p:seq concurrent="1" nextAc="seek">
+              <p:cTn id="2" dur="indefinite" nodeType="mainSeq">
+                <p:childTnLst>
+                  <p:par>
+                    <p:cTn id="3" fill="hold">
+                      <p:stCondLst>
+                        <p:cond delay="indefinite"/>
+                      </p:stCondLst>
+                      <p:childTnLst>
+                        <p:par>
+                          <p:cTn id="4" fill="hold">
+                            <p:stCondLst>
+                              <p:cond delay="0"/>
+                            </p:stCondLst>
+                            <p:childTnLst>
+                              <p:par>
+                                <p:cTn id="5" presetID="2" presetClass="entr" presetSubtype="4" fill="hold" nodeType="clickEffect">
+                                  <p:stCondLst>
+                                    <p:cond delay="0"/>
+                                  </p:stCondLst>
+                                  <p:childTnLst>
+                                    <p:set>
+                                      <p:cBhvr>
+                                        <p:cTn id="6" dur="1" fill="hold">
+                                          <p:stCondLst>
+                                            <p:cond delay="0"/>
+                                          </p:stCondLst>
+                                        </p:cTn>
+                                        <p:tgtEl>
+                                          <p:spTgt spid="12"/>
+                                        </p:tgtEl>
+                                        <p:attrNameLst>
+                                          <p:attrName>style.visibility</p:attrName>
+                                        </p:attrNameLst>
+                                      </p:cBhvr>
+                                      <p:to>
+                                        <p:strVal val="visible"/>
+                                      </p:to>
+                                    </p:set>
+                                    <p:anim calcmode="lin" valueType="num">
+                                      <p:cBhvr additive="base">
+                                        <p:cTn id="7" dur="500" fill="hold"/>
+                                        <p:tgtEl>
+                                          <p:spTgt spid="12"/>
+                                        </p:tgtEl>
+                                        <p:attrNameLst>
+                                          <p:attrName>ppt_x</p:attrName>
+                                        </p:attrNameLst>
+                                      </p:cBhvr>
+                                      <p:tavLst>
+                                        <p:tav tm="0">
+                                          <p:val>
+                                            <p:strVal val="#ppt_x"/>
+                                          </p:val>
+                                        </p:tav>
+                                        <p:tav tm="100000">
+                                          <p:val>
+                                            <p:strVal val="#ppt_x"/>
+                                          </p:val>
+                                        </p:tav>
+                                      </p:tavLst>
+                                    </p:anim>
+                                    <p:anim calcmode="lin" valueType="num">
+                                      <p:cBhvr additive="base">
+                                        <p:cTn id="8" dur="500" fill="hold"/>
+                                        <p:tgtEl>
+                                          <p:spTgt spid="12"/>
+                                        </p:tgtEl>
+                                        <p:attrNameLst>
+                                          <p:attrName>ppt_y</p:attrName>
+                                        </p:attrNameLst>
+                                      </p:cBhvr>
+                                      <p:tavLst>
+                                        <p:tav tm="0">
+                                          <p:val>
+                                            <p:strVal val="1+#ppt_h/2"/>
+                                          </p:val>
+                                        </p:tav>
+                                        <p:tav tm="100000">
+                                          <p:val>
+                                            <p:strVal val="#ppt_y"/>
+                                          </p:val>
+                                        </p:tav>
+                                      </p:tavLst>
+                                    </p:anim>
+                                  </p:childTnLst>
+                                </p:cTn>
+                              </p:par>
+                            </p:childTnLst>
+                          </p:cTn>
+                        </p:par>
+                      </p:childTnLst>
+                    </p:cTn>
+                  </p:par>
+                </p:childTnLst>
+              </p:cTn>
+              <p:prevCondLst>
+                <p:cond evt="onPrev" delay="0">
+                  <p:tgtEl>
+                    <p:sldTgt/>
+                  </p:tgtEl>
+                </p:cond>
+              </p:prevCondLst>
+              <p:nextCondLst>
+                <p:cond evt="onNext" delay="0">
+                  <p:tgtEl>
+                    <p:sldTgt/>
+                  </p:tgtEl>
+                </p:cond>
+              </p:nextCondLst>
+            </p:seq>
+          </p:childTnLst>
+        </p:cTn>
+      </p:par>
+    </p:tnLst>
+  </p:timing>
 </p:sld>
 </file>
 
@@ -8612,7 +8751,19 @@
               <a:rPr lang="nl-NL" dirty="0" smtClean="0">
                 <a:sym typeface="Wingdings" pitchFamily="2" charset="2"/>
               </a:rPr>
-              <a:t> MVVM</a:t>
+              <a:t> </a:t>
+            </a:r>
+            <a:r>
+              <a:rPr lang="nl-NL" dirty="0" smtClean="0">
+                <a:sym typeface="Wingdings" pitchFamily="2" charset="2"/>
+              </a:rPr>
+              <a:t>MVVM </a:t>
+            </a:r>
+            <a:r>
+              <a:rPr lang="nl-NL" dirty="0" err="1" smtClean="0">
+                <a:sym typeface="Wingdings" pitchFamily="2" charset="2"/>
+              </a:rPr>
+              <a:t>pattern</a:t>
             </a:r>
             <a:endParaRPr lang="nl-NL" dirty="0"/>
           </a:p>
@@ -8678,8 +8829,8 @@
         </p:nvSpPr>
         <p:spPr>
           <a:xfrm>
-            <a:off x="1259632" y="1772816"/>
-            <a:ext cx="2880320" cy="1224136"/>
+            <a:off x="467544" y="1700808"/>
+            <a:ext cx="2880320" cy="936104"/>
           </a:xfrm>
           <a:prstGeom prst="roundRect">
             <a:avLst/>
@@ -8722,8 +8873,8 @@
         </p:nvSpPr>
         <p:spPr>
           <a:xfrm>
-            <a:off x="1259632" y="3861048"/>
-            <a:ext cx="2880320" cy="1224136"/>
+            <a:off x="467544" y="3501008"/>
+            <a:ext cx="2880320" cy="936104"/>
           </a:xfrm>
           <a:prstGeom prst="roundRect">
             <a:avLst/>
@@ -8769,7 +8920,7 @@
         </p:nvCxnSpPr>
         <p:spPr>
           <a:xfrm>
-            <a:off x="2699792" y="2996952"/>
+            <a:off x="1907704" y="2636912"/>
             <a:ext cx="0" cy="864096"/>
           </a:xfrm>
           <a:prstGeom prst="straightConnector1">
@@ -8803,7 +8954,7 @@
         </p:nvSpPr>
         <p:spPr>
           <a:xfrm>
-            <a:off x="3059832" y="3284984"/>
+            <a:off x="2051720" y="2852936"/>
             <a:ext cx="4717958" cy="369332"/>
           </a:xfrm>
           <a:prstGeom prst="rect">
@@ -8829,16 +8980,383 @@
           </a:p>
         </p:txBody>
       </p:sp>
+      <p:sp>
+        <p:nvSpPr>
+          <p:cNvPr id="12" name="Tekstvak 11"/>
+          <p:cNvSpPr txBox="1"/>
+          <p:nvPr/>
+        </p:nvSpPr>
+        <p:spPr>
+          <a:xfrm>
+            <a:off x="3563888" y="1916832"/>
+            <a:ext cx="3352200" cy="369332"/>
+          </a:xfrm>
+          <a:prstGeom prst="rect">
+            <a:avLst/>
+          </a:prstGeom>
+          <a:noFill/>
+        </p:spPr>
+        <p:txBody>
+          <a:bodyPr wrap="none" rtlCol="0">
+            <a:spAutoFit/>
+          </a:bodyPr>
+          <a:lstStyle/>
+          <a:p>
+            <a:r>
+              <a:rPr lang="nl-NL" dirty="0" smtClean="0"/>
+              <a:t>Alleen opmaak (geen logica)</a:t>
+            </a:r>
+            <a:endParaRPr lang="nl-NL" dirty="0"/>
+          </a:p>
+        </p:txBody>
+      </p:sp>
+      <p:sp>
+        <p:nvSpPr>
+          <p:cNvPr id="13" name="Tekstvak 12"/>
+          <p:cNvSpPr txBox="1"/>
+          <p:nvPr/>
+        </p:nvSpPr>
+        <p:spPr>
+          <a:xfrm>
+            <a:off x="3563888" y="3717032"/>
+            <a:ext cx="4188967" cy="369332"/>
+          </a:xfrm>
+          <a:prstGeom prst="rect">
+            <a:avLst/>
+          </a:prstGeom>
+          <a:noFill/>
+        </p:spPr>
+        <p:txBody>
+          <a:bodyPr wrap="none" rtlCol="0">
+            <a:spAutoFit/>
+          </a:bodyPr>
+          <a:lstStyle/>
+          <a:p>
+            <a:r>
+              <a:rPr lang="nl-NL" dirty="0" smtClean="0"/>
+              <a:t>Data en gedrag specifiek voor de UI</a:t>
+            </a:r>
+            <a:endParaRPr lang="nl-NL" dirty="0"/>
+          </a:p>
+        </p:txBody>
+      </p:sp>
+      <p:sp>
+        <p:nvSpPr>
+          <p:cNvPr id="15" name="Afgeronde rechthoek 14"/>
+          <p:cNvSpPr/>
+          <p:nvPr/>
+        </p:nvSpPr>
+        <p:spPr>
+          <a:xfrm>
+            <a:off x="467544" y="5013176"/>
+            <a:ext cx="2880320" cy="936104"/>
+          </a:xfrm>
+          <a:prstGeom prst="roundRect">
+            <a:avLst/>
+          </a:prstGeom>
+        </p:spPr>
+        <p:style>
+          <a:lnRef idx="2">
+            <a:schemeClr val="accent1">
+              <a:shade val="50000"/>
+            </a:schemeClr>
+          </a:lnRef>
+          <a:fillRef idx="1">
+            <a:schemeClr val="accent1"/>
+          </a:fillRef>
+          <a:effectRef idx="0">
+            <a:schemeClr val="accent1"/>
+          </a:effectRef>
+          <a:fontRef idx="minor">
+            <a:schemeClr val="lt1"/>
+          </a:fontRef>
+        </p:style>
+        <p:txBody>
+          <a:bodyPr rtlCol="0" anchor="ctr"/>
+          <a:lstStyle/>
+          <a:p>
+            <a:pPr algn="ctr"/>
+            <a:r>
+              <a:rPr lang="nl-NL" dirty="0" smtClean="0"/>
+              <a:t>Domein model</a:t>
+            </a:r>
+            <a:endParaRPr lang="nl-NL" dirty="0"/>
+          </a:p>
+        </p:txBody>
+      </p:sp>
+      <p:sp>
+        <p:nvSpPr>
+          <p:cNvPr id="21" name="Tekstvak 20"/>
+          <p:cNvSpPr txBox="1"/>
+          <p:nvPr/>
+        </p:nvSpPr>
+        <p:spPr>
+          <a:xfrm>
+            <a:off x="3635896" y="5229200"/>
+            <a:ext cx="700833" cy="369332"/>
+          </a:xfrm>
+          <a:prstGeom prst="rect">
+            <a:avLst/>
+          </a:prstGeom>
+          <a:noFill/>
+        </p:spPr>
+        <p:txBody>
+          <a:bodyPr wrap="none" rtlCol="0">
+            <a:spAutoFit/>
+          </a:bodyPr>
+          <a:lstStyle/>
+          <a:p>
+            <a:r>
+              <a:rPr lang="nl-NL" dirty="0" smtClean="0"/>
+              <a:t>Data</a:t>
+            </a:r>
+            <a:endParaRPr lang="nl-NL" dirty="0"/>
+          </a:p>
+        </p:txBody>
+      </p:sp>
+      <p:cxnSp>
+        <p:nvCxnSpPr>
+          <p:cNvPr id="22" name="Rechte verbindingslijn met pijl 21"/>
+          <p:cNvCxnSpPr>
+            <a:stCxn id="8" idx="2"/>
+            <a:endCxn id="15" idx="0"/>
+          </p:cNvCxnSpPr>
+          <p:nvPr/>
+        </p:nvCxnSpPr>
+        <p:spPr>
+          <a:xfrm>
+            <a:off x="1907704" y="4437112"/>
+            <a:ext cx="0" cy="576064"/>
+          </a:xfrm>
+          <a:prstGeom prst="straightConnector1">
+            <a:avLst/>
+          </a:prstGeom>
+          <a:ln w="38100">
+            <a:headEnd type="arrow"/>
+            <a:tailEnd type="arrow"/>
+          </a:ln>
+        </p:spPr>
+        <p:style>
+          <a:lnRef idx="1">
+            <a:schemeClr val="accent1"/>
+          </a:lnRef>
+          <a:fillRef idx="0">
+            <a:schemeClr val="accent1"/>
+          </a:fillRef>
+          <a:effectRef idx="0">
+            <a:schemeClr val="accent1"/>
+          </a:effectRef>
+          <a:fontRef idx="minor">
+            <a:schemeClr val="tx1"/>
+          </a:fontRef>
+        </p:style>
+      </p:cxnSp>
+      <p:sp>
+        <p:nvSpPr>
+          <p:cNvPr id="25" name="Tekstvak 24"/>
+          <p:cNvSpPr txBox="1"/>
+          <p:nvPr/>
+        </p:nvSpPr>
+        <p:spPr>
+          <a:xfrm>
+            <a:off x="2051720" y="4509120"/>
+            <a:ext cx="5819222" cy="369332"/>
+          </a:xfrm>
+          <a:prstGeom prst="rect">
+            <a:avLst/>
+          </a:prstGeom>
+          <a:noFill/>
+        </p:spPr>
+        <p:txBody>
+          <a:bodyPr wrap="none" rtlCol="0">
+            <a:spAutoFit/>
+          </a:bodyPr>
+          <a:lstStyle/>
+          <a:p>
+            <a:r>
+              <a:rPr lang="nl-NL" dirty="0" err="1" smtClean="0"/>
+              <a:t>Mappings</a:t>
+            </a:r>
+            <a:r>
+              <a:rPr lang="nl-NL" dirty="0" smtClean="0"/>
+              <a:t>,</a:t>
+            </a:r>
+            <a:r>
+              <a:rPr lang="nl-NL" dirty="0" smtClean="0"/>
+              <a:t> manipulaties en toevoegingen van data</a:t>
+            </a:r>
+            <a:endParaRPr lang="nl-NL" dirty="0"/>
+          </a:p>
+        </p:txBody>
+      </p:sp>
     </p:spTree>
     <p:extLst>
       <p:ext uri="{BB962C8B-B14F-4D97-AF65-F5344CB8AC3E}">
-        <p14:creationId xmlns="" xmlns:p14="http://schemas.microsoft.com/office/powerpoint/2010/main" val="341994559"/>
+        <p14:creationId xmlns:p14="http://schemas.microsoft.com/office/powerpoint/2010/main" xmlns="" val="341994559"/>
       </p:ext>
     </p:extLst>
   </p:cSld>
   <p:clrMapOvr>
     <a:masterClrMapping/>
   </p:clrMapOvr>
+  <p:timing>
+    <p:tnLst>
+      <p:par>
+        <p:cTn id="1" dur="indefinite" restart="never" nodeType="tmRoot">
+          <p:childTnLst>
+            <p:seq concurrent="1" nextAc="seek">
+              <p:cTn id="2" dur="indefinite" nodeType="mainSeq">
+                <p:childTnLst>
+                  <p:par>
+                    <p:cTn id="3" fill="hold">
+                      <p:stCondLst>
+                        <p:cond delay="indefinite"/>
+                      </p:stCondLst>
+                      <p:childTnLst>
+                        <p:par>
+                          <p:cTn id="4" fill="hold">
+                            <p:stCondLst>
+                              <p:cond delay="0"/>
+                            </p:stCondLst>
+                            <p:childTnLst>
+                              <p:par>
+                                <p:cTn id="5" presetID="3" presetClass="entr" presetSubtype="10" fill="hold" grpId="0" nodeType="clickEffect">
+                                  <p:stCondLst>
+                                    <p:cond delay="0"/>
+                                  </p:stCondLst>
+                                  <p:childTnLst>
+                                    <p:set>
+                                      <p:cBhvr>
+                                        <p:cTn id="6" dur="1" fill="hold">
+                                          <p:stCondLst>
+                                            <p:cond delay="0"/>
+                                          </p:stCondLst>
+                                        </p:cTn>
+                                        <p:tgtEl>
+                                          <p:spTgt spid="13"/>
+                                        </p:tgtEl>
+                                        <p:attrNameLst>
+                                          <p:attrName>style.visibility</p:attrName>
+                                        </p:attrNameLst>
+                                      </p:cBhvr>
+                                      <p:to>
+                                        <p:strVal val="visible"/>
+                                      </p:to>
+                                    </p:set>
+                                    <p:animEffect transition="in" filter="blinds(horizontal)">
+                                      <p:cBhvr>
+                                        <p:cTn id="7" dur="500"/>
+                                        <p:tgtEl>
+                                          <p:spTgt spid="13"/>
+                                        </p:tgtEl>
+                                      </p:cBhvr>
+                                    </p:animEffect>
+                                  </p:childTnLst>
+                                </p:cTn>
+                              </p:par>
+                              <p:par>
+                                <p:cTn id="8" presetID="3" presetClass="entr" presetSubtype="10" fill="hold" grpId="0" nodeType="withEffect">
+                                  <p:stCondLst>
+                                    <p:cond delay="0"/>
+                                  </p:stCondLst>
+                                  <p:childTnLst>
+                                    <p:set>
+                                      <p:cBhvr>
+                                        <p:cTn id="9" dur="1" fill="hold">
+                                          <p:stCondLst>
+                                            <p:cond delay="0"/>
+                                          </p:stCondLst>
+                                        </p:cTn>
+                                        <p:tgtEl>
+                                          <p:spTgt spid="12"/>
+                                        </p:tgtEl>
+                                        <p:attrNameLst>
+                                          <p:attrName>style.visibility</p:attrName>
+                                        </p:attrNameLst>
+                                      </p:cBhvr>
+                                      <p:to>
+                                        <p:strVal val="visible"/>
+                                      </p:to>
+                                    </p:set>
+                                    <p:animEffect transition="in" filter="blinds(horizontal)">
+                                      <p:cBhvr>
+                                        <p:cTn id="10" dur="500"/>
+                                        <p:tgtEl>
+                                          <p:spTgt spid="12"/>
+                                        </p:tgtEl>
+                                      </p:cBhvr>
+                                    </p:animEffect>
+                                  </p:childTnLst>
+                                </p:cTn>
+                              </p:par>
+                              <p:par>
+                                <p:cTn id="11" presetID="3" presetClass="entr" presetSubtype="10" fill="hold" grpId="0" nodeType="withEffect">
+                                  <p:stCondLst>
+                                    <p:cond delay="0"/>
+                                  </p:stCondLst>
+                                  <p:childTnLst>
+                                    <p:set>
+                                      <p:cBhvr>
+                                        <p:cTn id="12" dur="1" fill="hold">
+                                          <p:stCondLst>
+                                            <p:cond delay="0"/>
+                                          </p:stCondLst>
+                                        </p:cTn>
+                                        <p:tgtEl>
+                                          <p:spTgt spid="21"/>
+                                        </p:tgtEl>
+                                        <p:attrNameLst>
+                                          <p:attrName>style.visibility</p:attrName>
+                                        </p:attrNameLst>
+                                      </p:cBhvr>
+                                      <p:to>
+                                        <p:strVal val="visible"/>
+                                      </p:to>
+                                    </p:set>
+                                    <p:animEffect transition="in" filter="blinds(horizontal)">
+                                      <p:cBhvr>
+                                        <p:cTn id="13" dur="500"/>
+                                        <p:tgtEl>
+                                          <p:spTgt spid="21"/>
+                                        </p:tgtEl>
+                                      </p:cBhvr>
+                                    </p:animEffect>
+                                  </p:childTnLst>
+                                </p:cTn>
+                              </p:par>
+                            </p:childTnLst>
+                          </p:cTn>
+                        </p:par>
+                      </p:childTnLst>
+                    </p:cTn>
+                  </p:par>
+                </p:childTnLst>
+              </p:cTn>
+              <p:prevCondLst>
+                <p:cond evt="onPrev" delay="0">
+                  <p:tgtEl>
+                    <p:sldTgt/>
+                  </p:tgtEl>
+                </p:cond>
+              </p:prevCondLst>
+              <p:nextCondLst>
+                <p:cond evt="onNext" delay="0">
+                  <p:tgtEl>
+                    <p:sldTgt/>
+                  </p:tgtEl>
+                </p:cond>
+              </p:nextCondLst>
+            </p:seq>
+          </p:childTnLst>
+        </p:cTn>
+      </p:par>
+    </p:tnLst>
+    <p:bldLst>
+      <p:bldP spid="12" grpId="0"/>
+      <p:bldP spid="13" grpId="0"/>
+      <p:bldP spid="21" grpId="0"/>
+    </p:bldLst>
+  </p:timing>
 </p:sld>
 </file>
 
@@ -8985,7 +9503,7 @@
     </p:spTree>
     <p:extLst>
       <p:ext uri="{BB962C8B-B14F-4D97-AF65-F5344CB8AC3E}">
-        <p14:creationId xmlns="" xmlns:p14="http://schemas.microsoft.com/office/powerpoint/2010/main" val="341994559"/>
+        <p14:creationId xmlns:p14="http://schemas.microsoft.com/office/powerpoint/2010/main" xmlns="" val="341994559"/>
       </p:ext>
     </p:extLst>
   </p:cSld>
@@ -9119,7 +9637,7 @@
     </p:spTree>
     <p:extLst>
       <p:ext uri="{BB962C8B-B14F-4D97-AF65-F5344CB8AC3E}">
-        <p14:creationId xmlns="" xmlns:p14="http://schemas.microsoft.com/office/powerpoint/2010/main" val="854123118"/>
+        <p14:creationId xmlns:p14="http://schemas.microsoft.com/office/powerpoint/2010/main" xmlns="" val="854123118"/>
       </p:ext>
     </p:extLst>
   </p:cSld>

--- a/doc/Presentation.pptx
+++ b/doc/Presentation.pptx
@@ -7880,6 +7880,13 @@
   <p:clrMapOvr>
     <a:masterClrMapping/>
   </p:clrMapOvr>
+  <p:timing>
+    <p:tnLst>
+      <p:par>
+        <p:cTn id="1" dur="indefinite" restart="never" nodeType="tmRoot"/>
+      </p:par>
+    </p:tnLst>
+  </p:timing>
 </p:sld>
 </file>
 
@@ -9189,6 +9196,173 @@
           </a:p>
         </p:txBody>
       </p:sp>
+      <p:sp>
+        <p:nvSpPr>
+          <p:cNvPr id="26" name="Rechthoek 25"/>
+          <p:cNvSpPr/>
+          <p:nvPr/>
+        </p:nvSpPr>
+        <p:spPr>
+          <a:xfrm>
+            <a:off x="-252536" y="-171400"/>
+            <a:ext cx="9721080" cy="7200800"/>
+          </a:xfrm>
+          <a:prstGeom prst="rect">
+            <a:avLst/>
+          </a:prstGeom>
+          <a:solidFill>
+            <a:schemeClr val="accent1">
+              <a:lumMod val="20000"/>
+              <a:lumOff val="80000"/>
+              <a:alpha val="69804"/>
+            </a:schemeClr>
+          </a:solidFill>
+        </p:spPr>
+        <p:style>
+          <a:lnRef idx="2">
+            <a:schemeClr val="accent1">
+              <a:shade val="50000"/>
+            </a:schemeClr>
+          </a:lnRef>
+          <a:fillRef idx="1">
+            <a:schemeClr val="accent1"/>
+          </a:fillRef>
+          <a:effectRef idx="0">
+            <a:schemeClr val="accent1"/>
+          </a:effectRef>
+          <a:fontRef idx="minor">
+            <a:schemeClr val="lt1"/>
+          </a:fontRef>
+        </p:style>
+        <p:txBody>
+          <a:bodyPr rtlCol="0" anchor="ctr"/>
+          <a:lstStyle/>
+          <a:p>
+            <a:pPr algn="ctr"/>
+            <a:endParaRPr lang="nl-NL"/>
+          </a:p>
+        </p:txBody>
+      </p:sp>
+      <p:sp>
+        <p:nvSpPr>
+          <p:cNvPr id="27" name="Tekstvak 26"/>
+          <p:cNvSpPr txBox="1"/>
+          <p:nvPr/>
+        </p:nvSpPr>
+        <p:spPr>
+          <a:xfrm>
+            <a:off x="395536" y="3429000"/>
+            <a:ext cx="1141659" cy="369332"/>
+          </a:xfrm>
+          <a:prstGeom prst="rect">
+            <a:avLst/>
+          </a:prstGeom>
+          <a:noFill/>
+        </p:spPr>
+        <p:txBody>
+          <a:bodyPr wrap="none" rtlCol="0">
+            <a:spAutoFit/>
+          </a:bodyPr>
+          <a:lstStyle/>
+          <a:p>
+            <a:r>
+              <a:rPr lang="nl-NL" dirty="0" err="1" smtClean="0"/>
+              <a:t>Visibility</a:t>
+            </a:r>
+            <a:endParaRPr lang="nl-NL" dirty="0"/>
+          </a:p>
+        </p:txBody>
+      </p:sp>
+      <p:sp>
+        <p:nvSpPr>
+          <p:cNvPr id="28" name="Tekstvak 27"/>
+          <p:cNvSpPr txBox="1"/>
+          <p:nvPr/>
+        </p:nvSpPr>
+        <p:spPr>
+          <a:xfrm>
+            <a:off x="1979712" y="3501008"/>
+            <a:ext cx="1075936" cy="369332"/>
+          </a:xfrm>
+          <a:prstGeom prst="rect">
+            <a:avLst/>
+          </a:prstGeom>
+          <a:noFill/>
+        </p:spPr>
+        <p:txBody>
+          <a:bodyPr wrap="none" rtlCol="0">
+            <a:spAutoFit/>
+          </a:bodyPr>
+          <a:lstStyle/>
+          <a:p>
+            <a:r>
+              <a:rPr lang="nl-NL" dirty="0" err="1" smtClean="0"/>
+              <a:t>Position</a:t>
+            </a:r>
+            <a:endParaRPr lang="nl-NL" dirty="0"/>
+          </a:p>
+        </p:txBody>
+      </p:sp>
+      <p:sp>
+        <p:nvSpPr>
+          <p:cNvPr id="29" name="Tekstvak 28"/>
+          <p:cNvSpPr txBox="1"/>
+          <p:nvPr/>
+        </p:nvSpPr>
+        <p:spPr>
+          <a:xfrm>
+            <a:off x="683568" y="4077072"/>
+            <a:ext cx="700833" cy="369332"/>
+          </a:xfrm>
+          <a:prstGeom prst="rect">
+            <a:avLst/>
+          </a:prstGeom>
+          <a:noFill/>
+        </p:spPr>
+        <p:txBody>
+          <a:bodyPr wrap="none" rtlCol="0">
+            <a:spAutoFit/>
+          </a:bodyPr>
+          <a:lstStyle/>
+          <a:p>
+            <a:r>
+              <a:rPr lang="nl-NL" dirty="0" smtClean="0"/>
+              <a:t>Data</a:t>
+            </a:r>
+            <a:endParaRPr lang="nl-NL" dirty="0"/>
+          </a:p>
+        </p:txBody>
+      </p:sp>
+      <p:sp>
+        <p:nvSpPr>
+          <p:cNvPr id="30" name="Tekstvak 29"/>
+          <p:cNvSpPr txBox="1"/>
+          <p:nvPr/>
+        </p:nvSpPr>
+        <p:spPr>
+          <a:xfrm>
+            <a:off x="1619672" y="3861048"/>
+            <a:ext cx="2031325" cy="369332"/>
+          </a:xfrm>
+          <a:prstGeom prst="rect">
+            <a:avLst/>
+          </a:prstGeom>
+          <a:noFill/>
+        </p:spPr>
+        <p:txBody>
+          <a:bodyPr wrap="none" rtlCol="0">
+            <a:spAutoFit/>
+          </a:bodyPr>
+          <a:lstStyle/>
+          <a:p>
+            <a:r>
+              <a:rPr lang="nl-NL" dirty="0" err="1" smtClean="0"/>
+              <a:t>Transformations</a:t>
+            </a:r>
+            <a:endParaRPr lang="nl-NL" dirty="0"/>
+          </a:p>
+        </p:txBody>
+      </p:sp>
     </p:spTree>
     <p:extLst>
       <p:ext uri="{BB962C8B-B14F-4D97-AF65-F5344CB8AC3E}">
@@ -9330,6 +9504,423 @@
                       </p:childTnLst>
                     </p:cTn>
                   </p:par>
+                  <p:par>
+                    <p:cTn id="14" fill="hold">
+                      <p:stCondLst>
+                        <p:cond delay="indefinite"/>
+                      </p:stCondLst>
+                      <p:childTnLst>
+                        <p:par>
+                          <p:cTn id="15" fill="hold">
+                            <p:stCondLst>
+                              <p:cond delay="0"/>
+                            </p:stCondLst>
+                            <p:childTnLst>
+                              <p:par>
+                                <p:cTn id="16" presetID="3" presetClass="entr" presetSubtype="10" fill="hold" grpId="0" nodeType="clickEffect">
+                                  <p:stCondLst>
+                                    <p:cond delay="0"/>
+                                  </p:stCondLst>
+                                  <p:childTnLst>
+                                    <p:set>
+                                      <p:cBhvr>
+                                        <p:cTn id="17" dur="1" fill="hold">
+                                          <p:stCondLst>
+                                            <p:cond delay="0"/>
+                                          </p:stCondLst>
+                                        </p:cTn>
+                                        <p:tgtEl>
+                                          <p:spTgt spid="26"/>
+                                        </p:tgtEl>
+                                        <p:attrNameLst>
+                                          <p:attrName>style.visibility</p:attrName>
+                                        </p:attrNameLst>
+                                      </p:cBhvr>
+                                      <p:to>
+                                        <p:strVal val="visible"/>
+                                      </p:to>
+                                    </p:set>
+                                    <p:animEffect transition="in" filter="blinds(horizontal)">
+                                      <p:cBhvr>
+                                        <p:cTn id="18" dur="500"/>
+                                        <p:tgtEl>
+                                          <p:spTgt spid="26"/>
+                                        </p:tgtEl>
+                                      </p:cBhvr>
+                                    </p:animEffect>
+                                  </p:childTnLst>
+                                </p:cTn>
+                              </p:par>
+                            </p:childTnLst>
+                          </p:cTn>
+                        </p:par>
+                      </p:childTnLst>
+                    </p:cTn>
+                  </p:par>
+                  <p:par>
+                    <p:cTn id="19" fill="hold">
+                      <p:stCondLst>
+                        <p:cond delay="indefinite"/>
+                      </p:stCondLst>
+                      <p:childTnLst>
+                        <p:par>
+                          <p:cTn id="20" fill="hold">
+                            <p:stCondLst>
+                              <p:cond delay="0"/>
+                            </p:stCondLst>
+                            <p:childTnLst>
+                              <p:par>
+                                <p:cTn id="21" presetID="2" presetClass="entr" presetSubtype="4" fill="hold" grpId="0" nodeType="clickEffect">
+                                  <p:stCondLst>
+                                    <p:cond delay="0"/>
+                                  </p:stCondLst>
+                                  <p:childTnLst>
+                                    <p:set>
+                                      <p:cBhvr>
+                                        <p:cTn id="22" dur="1" fill="hold">
+                                          <p:stCondLst>
+                                            <p:cond delay="0"/>
+                                          </p:stCondLst>
+                                        </p:cTn>
+                                        <p:tgtEl>
+                                          <p:spTgt spid="29"/>
+                                        </p:tgtEl>
+                                        <p:attrNameLst>
+                                          <p:attrName>style.visibility</p:attrName>
+                                        </p:attrNameLst>
+                                      </p:cBhvr>
+                                      <p:to>
+                                        <p:strVal val="visible"/>
+                                      </p:to>
+                                    </p:set>
+                                    <p:anim calcmode="lin" valueType="num">
+                                      <p:cBhvr additive="base">
+                                        <p:cTn id="23" dur="500" fill="hold"/>
+                                        <p:tgtEl>
+                                          <p:spTgt spid="29"/>
+                                        </p:tgtEl>
+                                        <p:attrNameLst>
+                                          <p:attrName>ppt_x</p:attrName>
+                                        </p:attrNameLst>
+                                      </p:cBhvr>
+                                      <p:tavLst>
+                                        <p:tav tm="0">
+                                          <p:val>
+                                            <p:strVal val="#ppt_x"/>
+                                          </p:val>
+                                        </p:tav>
+                                        <p:tav tm="100000">
+                                          <p:val>
+                                            <p:strVal val="#ppt_x"/>
+                                          </p:val>
+                                        </p:tav>
+                                      </p:tavLst>
+                                    </p:anim>
+                                    <p:anim calcmode="lin" valueType="num">
+                                      <p:cBhvr additive="base">
+                                        <p:cTn id="24" dur="500" fill="hold"/>
+                                        <p:tgtEl>
+                                          <p:spTgt spid="29"/>
+                                        </p:tgtEl>
+                                        <p:attrNameLst>
+                                          <p:attrName>ppt_y</p:attrName>
+                                        </p:attrNameLst>
+                                      </p:cBhvr>
+                                      <p:tavLst>
+                                        <p:tav tm="0">
+                                          <p:val>
+                                            <p:strVal val="1+#ppt_h/2"/>
+                                          </p:val>
+                                        </p:tav>
+                                        <p:tav tm="100000">
+                                          <p:val>
+                                            <p:strVal val="#ppt_y"/>
+                                          </p:val>
+                                        </p:tav>
+                                      </p:tavLst>
+                                    </p:anim>
+                                  </p:childTnLst>
+                                </p:cTn>
+                              </p:par>
+                            </p:childTnLst>
+                          </p:cTn>
+                        </p:par>
+                      </p:childTnLst>
+                    </p:cTn>
+                  </p:par>
+                  <p:par>
+                    <p:cTn id="25" fill="hold">
+                      <p:stCondLst>
+                        <p:cond delay="indefinite"/>
+                      </p:stCondLst>
+                      <p:childTnLst>
+                        <p:par>
+                          <p:cTn id="26" fill="hold">
+                            <p:stCondLst>
+                              <p:cond delay="0"/>
+                            </p:stCondLst>
+                            <p:childTnLst>
+                              <p:par>
+                                <p:cTn id="27" presetID="2" presetClass="entr" presetSubtype="4" fill="hold" grpId="0" nodeType="clickEffect">
+                                  <p:stCondLst>
+                                    <p:cond delay="0"/>
+                                  </p:stCondLst>
+                                  <p:childTnLst>
+                                    <p:set>
+                                      <p:cBhvr>
+                                        <p:cTn id="28" dur="1" fill="hold">
+                                          <p:stCondLst>
+                                            <p:cond delay="0"/>
+                                          </p:stCondLst>
+                                        </p:cTn>
+                                        <p:tgtEl>
+                                          <p:spTgt spid="27"/>
+                                        </p:tgtEl>
+                                        <p:attrNameLst>
+                                          <p:attrName>style.visibility</p:attrName>
+                                        </p:attrNameLst>
+                                      </p:cBhvr>
+                                      <p:to>
+                                        <p:strVal val="visible"/>
+                                      </p:to>
+                                    </p:set>
+                                    <p:anim calcmode="lin" valueType="num">
+                                      <p:cBhvr additive="base">
+                                        <p:cTn id="29" dur="500" fill="hold"/>
+                                        <p:tgtEl>
+                                          <p:spTgt spid="27"/>
+                                        </p:tgtEl>
+                                        <p:attrNameLst>
+                                          <p:attrName>ppt_x</p:attrName>
+                                        </p:attrNameLst>
+                                      </p:cBhvr>
+                                      <p:tavLst>
+                                        <p:tav tm="0">
+                                          <p:val>
+                                            <p:strVal val="#ppt_x"/>
+                                          </p:val>
+                                        </p:tav>
+                                        <p:tav tm="100000">
+                                          <p:val>
+                                            <p:strVal val="#ppt_x"/>
+                                          </p:val>
+                                        </p:tav>
+                                      </p:tavLst>
+                                    </p:anim>
+                                    <p:anim calcmode="lin" valueType="num">
+                                      <p:cBhvr additive="base">
+                                        <p:cTn id="30" dur="500" fill="hold"/>
+                                        <p:tgtEl>
+                                          <p:spTgt spid="27"/>
+                                        </p:tgtEl>
+                                        <p:attrNameLst>
+                                          <p:attrName>ppt_y</p:attrName>
+                                        </p:attrNameLst>
+                                      </p:cBhvr>
+                                      <p:tavLst>
+                                        <p:tav tm="0">
+                                          <p:val>
+                                            <p:strVal val="1+#ppt_h/2"/>
+                                          </p:val>
+                                        </p:tav>
+                                        <p:tav tm="100000">
+                                          <p:val>
+                                            <p:strVal val="#ppt_y"/>
+                                          </p:val>
+                                        </p:tav>
+                                      </p:tavLst>
+                                    </p:anim>
+                                  </p:childTnLst>
+                                </p:cTn>
+                              </p:par>
+                            </p:childTnLst>
+                          </p:cTn>
+                        </p:par>
+                      </p:childTnLst>
+                    </p:cTn>
+                  </p:par>
+                  <p:par>
+                    <p:cTn id="31" fill="hold">
+                      <p:stCondLst>
+                        <p:cond delay="indefinite"/>
+                      </p:stCondLst>
+                      <p:childTnLst>
+                        <p:par>
+                          <p:cTn id="32" fill="hold">
+                            <p:stCondLst>
+                              <p:cond delay="0"/>
+                            </p:stCondLst>
+                            <p:childTnLst>
+                              <p:par>
+                                <p:cTn id="33" presetID="2" presetClass="entr" presetSubtype="4" fill="hold" grpId="0" nodeType="clickEffect">
+                                  <p:stCondLst>
+                                    <p:cond delay="0"/>
+                                  </p:stCondLst>
+                                  <p:childTnLst>
+                                    <p:set>
+                                      <p:cBhvr>
+                                        <p:cTn id="34" dur="1" fill="hold">
+                                          <p:stCondLst>
+                                            <p:cond delay="0"/>
+                                          </p:stCondLst>
+                                        </p:cTn>
+                                        <p:tgtEl>
+                                          <p:spTgt spid="28"/>
+                                        </p:tgtEl>
+                                        <p:attrNameLst>
+                                          <p:attrName>style.visibility</p:attrName>
+                                        </p:attrNameLst>
+                                      </p:cBhvr>
+                                      <p:to>
+                                        <p:strVal val="visible"/>
+                                      </p:to>
+                                    </p:set>
+                                    <p:anim calcmode="lin" valueType="num">
+                                      <p:cBhvr additive="base">
+                                        <p:cTn id="35" dur="500" fill="hold"/>
+                                        <p:tgtEl>
+                                          <p:spTgt spid="28"/>
+                                        </p:tgtEl>
+                                        <p:attrNameLst>
+                                          <p:attrName>ppt_x</p:attrName>
+                                        </p:attrNameLst>
+                                      </p:cBhvr>
+                                      <p:tavLst>
+                                        <p:tav tm="0">
+                                          <p:val>
+                                            <p:strVal val="#ppt_x"/>
+                                          </p:val>
+                                        </p:tav>
+                                        <p:tav tm="100000">
+                                          <p:val>
+                                            <p:strVal val="#ppt_x"/>
+                                          </p:val>
+                                        </p:tav>
+                                      </p:tavLst>
+                                    </p:anim>
+                                    <p:anim calcmode="lin" valueType="num">
+                                      <p:cBhvr additive="base">
+                                        <p:cTn id="36" dur="500" fill="hold"/>
+                                        <p:tgtEl>
+                                          <p:spTgt spid="28"/>
+                                        </p:tgtEl>
+                                        <p:attrNameLst>
+                                          <p:attrName>ppt_y</p:attrName>
+                                        </p:attrNameLst>
+                                      </p:cBhvr>
+                                      <p:tavLst>
+                                        <p:tav tm="0">
+                                          <p:val>
+                                            <p:strVal val="1+#ppt_h/2"/>
+                                          </p:val>
+                                        </p:tav>
+                                        <p:tav tm="100000">
+                                          <p:val>
+                                            <p:strVal val="#ppt_y"/>
+                                          </p:val>
+                                        </p:tav>
+                                      </p:tavLst>
+                                    </p:anim>
+                                  </p:childTnLst>
+                                </p:cTn>
+                              </p:par>
+                            </p:childTnLst>
+                          </p:cTn>
+                        </p:par>
+                      </p:childTnLst>
+                    </p:cTn>
+                  </p:par>
+                  <p:par>
+                    <p:cTn id="37" fill="hold">
+                      <p:stCondLst>
+                        <p:cond delay="indefinite"/>
+                      </p:stCondLst>
+                      <p:childTnLst>
+                        <p:par>
+                          <p:cTn id="38" fill="hold">
+                            <p:stCondLst>
+                              <p:cond delay="0"/>
+                            </p:stCondLst>
+                            <p:childTnLst>
+                              <p:par>
+                                <p:cTn id="39" presetID="2" presetClass="entr" presetSubtype="4" fill="hold" grpId="0" nodeType="clickEffect">
+                                  <p:stCondLst>
+                                    <p:cond delay="0"/>
+                                  </p:stCondLst>
+                                  <p:childTnLst>
+                                    <p:set>
+                                      <p:cBhvr>
+                                        <p:cTn id="40" dur="1" fill="hold">
+                                          <p:stCondLst>
+                                            <p:cond delay="0"/>
+                                          </p:stCondLst>
+                                        </p:cTn>
+                                        <p:tgtEl>
+                                          <p:spTgt spid="30"/>
+                                        </p:tgtEl>
+                                        <p:attrNameLst>
+                                          <p:attrName>style.visibility</p:attrName>
+                                        </p:attrNameLst>
+                                      </p:cBhvr>
+                                      <p:to>
+                                        <p:strVal val="visible"/>
+                                      </p:to>
+                                    </p:set>
+                                    <p:anim calcmode="lin" valueType="num">
+                                      <p:cBhvr additive="base">
+                                        <p:cTn id="41" dur="500" fill="hold"/>
+                                        <p:tgtEl>
+                                          <p:spTgt spid="30"/>
+                                        </p:tgtEl>
+                                        <p:attrNameLst>
+                                          <p:attrName>ppt_x</p:attrName>
+                                        </p:attrNameLst>
+                                      </p:cBhvr>
+                                      <p:tavLst>
+                                        <p:tav tm="0">
+                                          <p:val>
+                                            <p:strVal val="#ppt_x"/>
+                                          </p:val>
+                                        </p:tav>
+                                        <p:tav tm="100000">
+                                          <p:val>
+                                            <p:strVal val="#ppt_x"/>
+                                          </p:val>
+                                        </p:tav>
+                                      </p:tavLst>
+                                    </p:anim>
+                                    <p:anim calcmode="lin" valueType="num">
+                                      <p:cBhvr additive="base">
+                                        <p:cTn id="42" dur="500" fill="hold"/>
+                                        <p:tgtEl>
+                                          <p:spTgt spid="30"/>
+                                        </p:tgtEl>
+                                        <p:attrNameLst>
+                                          <p:attrName>ppt_y</p:attrName>
+                                        </p:attrNameLst>
+                                      </p:cBhvr>
+                                      <p:tavLst>
+                                        <p:tav tm="0">
+                                          <p:val>
+                                            <p:strVal val="1+#ppt_h/2"/>
+                                          </p:val>
+                                        </p:tav>
+                                        <p:tav tm="100000">
+                                          <p:val>
+                                            <p:strVal val="#ppt_y"/>
+                                          </p:val>
+                                        </p:tav>
+                                      </p:tavLst>
+                                    </p:anim>
+                                  </p:childTnLst>
+                                </p:cTn>
+                              </p:par>
+                            </p:childTnLst>
+                          </p:cTn>
+                        </p:par>
+                      </p:childTnLst>
+                    </p:cTn>
+                  </p:par>
                 </p:childTnLst>
               </p:cTn>
               <p:prevCondLst>
@@ -9355,6 +9946,11 @@
       <p:bldP spid="12" grpId="0"/>
       <p:bldP spid="13" grpId="0"/>
       <p:bldP spid="21" grpId="0"/>
+      <p:bldP spid="26" grpId="0" animBg="1"/>
+      <p:bldP spid="27" grpId="0"/>
+      <p:bldP spid="28" grpId="0"/>
+      <p:bldP spid="29" grpId="0"/>
+      <p:bldP spid="30" grpId="0"/>
     </p:bldLst>
   </p:timing>
 </p:sld>
@@ -9510,6 +10106,13 @@
   <p:clrMapOvr>
     <a:masterClrMapping/>
   </p:clrMapOvr>
+  <p:timing>
+    <p:tnLst>
+      <p:par>
+        <p:cTn id="1" dur="indefinite" restart="never" nodeType="tmRoot"/>
+      </p:par>
+    </p:tnLst>
+  </p:timing>
 </p:sld>
 </file>
 
@@ -9644,6 +10247,13 @@
   <p:clrMapOvr>
     <a:masterClrMapping/>
   </p:clrMapOvr>
+  <p:timing>
+    <p:tnLst>
+      <p:par>
+        <p:cTn id="1" dur="indefinite" restart="never" nodeType="tmRoot"/>
+      </p:par>
+    </p:tnLst>
+  </p:timing>
 </p:sld>
 </file>
 

--- a/doc/Presentation.pptx
+++ b/doc/Presentation.pptx
@@ -6,17 +6,18 @@
     <p:sldMasterId id="2147483669" r:id="rId2"/>
   </p:sldMasterIdLst>
   <p:notesMasterIdLst>
-    <p:notesMasterId r:id="rId8"/>
+    <p:notesMasterId r:id="rId9"/>
   </p:notesMasterIdLst>
   <p:handoutMasterIdLst>
-    <p:handoutMasterId r:id="rId9"/>
+    <p:handoutMasterId r:id="rId10"/>
   </p:handoutMasterIdLst>
   <p:sldIdLst>
     <p:sldId id="256" r:id="rId3"/>
-    <p:sldId id="257" r:id="rId4"/>
-    <p:sldId id="260" r:id="rId5"/>
-    <p:sldId id="259" r:id="rId6"/>
-    <p:sldId id="258" r:id="rId7"/>
+    <p:sldId id="261" r:id="rId4"/>
+    <p:sldId id="257" r:id="rId5"/>
+    <p:sldId id="260" r:id="rId6"/>
+    <p:sldId id="259" r:id="rId7"/>
+    <p:sldId id="258" r:id="rId8"/>
   </p:sldIdLst>
   <p:sldSz cx="9144000" cy="6858000" type="screen4x3"/>
   <p:notesSz cx="6858000" cy="9144000"/>
@@ -188,7 +189,7 @@
           <a:blip r:embed="rId2" cstate="print">
             <a:extLst>
               <a:ext uri="{28A0092B-C50C-407E-A947-70E740481C1C}">
-                <a14:useLocalDpi xmlns:a14="http://schemas.microsoft.com/office/drawing/2010/main" xmlns="" val="0"/>
+                <a14:useLocalDpi xmlns:a14="http://schemas.microsoft.com/office/drawing/2010/main" val="0"/>
               </a:ext>
             </a:extLst>
           </a:blip>
@@ -208,7 +209,7 @@
           <a:noFill/>
           <a:extLst>
             <a:ext uri="{909E8E84-426E-40DD-AFC4-6F175D3DCCD1}">
-              <a14:hiddenFill xmlns:a14="http://schemas.microsoft.com/office/drawing/2010/main" xmlns="">
+              <a14:hiddenFill xmlns:a14="http://schemas.microsoft.com/office/drawing/2010/main">
                 <a:solidFill>
                   <a:srgbClr val="FFFFFF"/>
                 </a:solidFill>
@@ -239,14 +240,14 @@
           </a:ln>
           <a:extLst>
             <a:ext uri="{909E8E84-426E-40DD-AFC4-6F175D3DCCD1}">
-              <a14:hiddenFill xmlns:a14="http://schemas.microsoft.com/office/drawing/2010/main" xmlns="">
+              <a14:hiddenFill xmlns:a14="http://schemas.microsoft.com/office/drawing/2010/main">
                 <a:solidFill>
                   <a:srgbClr val="FFFFFF"/>
                 </a:solidFill>
               </a14:hiddenFill>
             </a:ext>
             <a:ext uri="{91240B29-F687-4F45-9708-019B960494DF}">
-              <a14:hiddenLine xmlns:a14="http://schemas.microsoft.com/office/drawing/2010/main" xmlns="" w="9525">
+              <a14:hiddenLine xmlns:a14="http://schemas.microsoft.com/office/drawing/2010/main" w="9525">
                 <a:solidFill>
                   <a:srgbClr val="000000"/>
                 </a:solidFill>
@@ -402,7 +403,7 @@
     </p:spTree>
     <p:extLst>
       <p:ext uri="{BB962C8B-B14F-4D97-AF65-F5344CB8AC3E}">
-        <p14:creationId xmlns:p14="http://schemas.microsoft.com/office/powerpoint/2010/main" xmlns="" val="3452287503"/>
+        <p14:creationId xmlns:p14="http://schemas.microsoft.com/office/powerpoint/2010/main" val="3452287503"/>
       </p:ext>
     </p:extLst>
   </p:cSld>
@@ -573,7 +574,7 @@
           <a:blip r:embed="rId2">
             <a:extLst>
               <a:ext uri="{28A0092B-C50C-407E-A947-70E740481C1C}">
-                <a14:useLocalDpi xmlns:a14="http://schemas.microsoft.com/office/drawing/2010/main" xmlns="" val="0"/>
+                <a14:useLocalDpi xmlns:a14="http://schemas.microsoft.com/office/drawing/2010/main" val="0"/>
               </a:ext>
             </a:extLst>
           </a:blip>
@@ -593,7 +594,7 @@
           <a:noFill/>
           <a:extLst>
             <a:ext uri="{909E8E84-426E-40DD-AFC4-6F175D3DCCD1}">
-              <a14:hiddenFill xmlns:a14="http://schemas.microsoft.com/office/drawing/2010/main" xmlns="">
+              <a14:hiddenFill xmlns:a14="http://schemas.microsoft.com/office/drawing/2010/main">
                 <a:solidFill>
                   <a:srgbClr val="FFFFFF"/>
                 </a:solidFill>
@@ -624,14 +625,14 @@
           </a:ln>
           <a:extLst>
             <a:ext uri="{909E8E84-426E-40DD-AFC4-6F175D3DCCD1}">
-              <a14:hiddenFill xmlns:a14="http://schemas.microsoft.com/office/drawing/2010/main" xmlns="">
+              <a14:hiddenFill xmlns:a14="http://schemas.microsoft.com/office/drawing/2010/main">
                 <a:solidFill>
                   <a:srgbClr val="FFFFFF"/>
                 </a:solidFill>
               </a14:hiddenFill>
             </a:ext>
             <a:ext uri="{91240B29-F687-4F45-9708-019B960494DF}">
-              <a14:hiddenLine xmlns:a14="http://schemas.microsoft.com/office/drawing/2010/main" xmlns="" w="9525">
+              <a14:hiddenLine xmlns:a14="http://schemas.microsoft.com/office/drawing/2010/main" w="9525">
                 <a:solidFill>
                   <a:srgbClr val="000000"/>
                 </a:solidFill>
@@ -787,7 +788,7 @@
     </p:spTree>
     <p:extLst>
       <p:ext uri="{BB962C8B-B14F-4D97-AF65-F5344CB8AC3E}">
-        <p14:creationId xmlns:p14="http://schemas.microsoft.com/office/powerpoint/2010/main" xmlns="" val="573435375"/>
+        <p14:creationId xmlns:p14="http://schemas.microsoft.com/office/powerpoint/2010/main" val="573435375"/>
       </p:ext>
     </p:extLst>
   </p:cSld>
@@ -1012,7 +1013,7 @@
           <a:blip r:embed="rId3" cstate="print">
             <a:extLst>
               <a:ext uri="{28A0092B-C50C-407E-A947-70E740481C1C}">
-                <a14:useLocalDpi xmlns:a14="http://schemas.microsoft.com/office/drawing/2010/main" xmlns="" val="0"/>
+                <a14:useLocalDpi xmlns:a14="http://schemas.microsoft.com/office/drawing/2010/main" val="0"/>
               </a:ext>
             </a:extLst>
           </a:blip>
@@ -1032,7 +1033,7 @@
           <a:noFill/>
           <a:extLst>
             <a:ext uri="{909E8E84-426E-40DD-AFC4-6F175D3DCCD1}">
-              <a14:hiddenFill xmlns:a14="http://schemas.microsoft.com/office/drawing/2010/main" xmlns="">
+              <a14:hiddenFill xmlns:a14="http://schemas.microsoft.com/office/drawing/2010/main">
                 <a:solidFill>
                   <a:srgbClr val="FFFFFF"/>
                 </a:solidFill>
@@ -1258,14 +1259,14 @@
           </a:ln>
           <a:extLst>
             <a:ext uri="{909E8E84-426E-40DD-AFC4-6F175D3DCCD1}">
-              <a14:hiddenFill xmlns:a14="http://schemas.microsoft.com/office/drawing/2010/main" xmlns="">
+              <a14:hiddenFill xmlns:a14="http://schemas.microsoft.com/office/drawing/2010/main">
                 <a:solidFill>
                   <a:srgbClr val="FFFFFF"/>
                 </a:solidFill>
               </a14:hiddenFill>
             </a:ext>
             <a:ext uri="{91240B29-F687-4F45-9708-019B960494DF}">
-              <a14:hiddenLine xmlns:a14="http://schemas.microsoft.com/office/drawing/2010/main" xmlns="" w="9525">
+              <a14:hiddenLine xmlns:a14="http://schemas.microsoft.com/office/drawing/2010/main" w="9525">
                 <a:solidFill>
                   <a:srgbClr val="000000"/>
                 </a:solidFill>
@@ -1413,14 +1414,14 @@
           </a:ln>
           <a:extLst>
             <a:ext uri="{909E8E84-426E-40DD-AFC4-6F175D3DCCD1}">
-              <a14:hiddenFill xmlns:a14="http://schemas.microsoft.com/office/drawing/2010/main" xmlns="">
+              <a14:hiddenFill xmlns:a14="http://schemas.microsoft.com/office/drawing/2010/main">
                 <a:solidFill>
                   <a:srgbClr val="FFFFFF"/>
                 </a:solidFill>
               </a14:hiddenFill>
             </a:ext>
             <a:ext uri="{91240B29-F687-4F45-9708-019B960494DF}">
-              <a14:hiddenLine xmlns:a14="http://schemas.microsoft.com/office/drawing/2010/main" xmlns="" w="9525">
+              <a14:hiddenLine xmlns:a14="http://schemas.microsoft.com/office/drawing/2010/main" w="9525">
                 <a:solidFill>
                   <a:srgbClr val="000000"/>
                 </a:solidFill>
@@ -1580,7 +1581,7 @@
     </p:spTree>
     <p:extLst>
       <p:ext uri="{BB962C8B-B14F-4D97-AF65-F5344CB8AC3E}">
-        <p14:creationId xmlns:p14="http://schemas.microsoft.com/office/powerpoint/2010/main" xmlns="" val="2559735626"/>
+        <p14:creationId xmlns:p14="http://schemas.microsoft.com/office/powerpoint/2010/main" val="2559735626"/>
       </p:ext>
     </p:extLst>
   </p:cSld>
@@ -1633,7 +1634,7 @@
           <a:blip r:embed="rId3" cstate="print">
             <a:extLst>
               <a:ext uri="{28A0092B-C50C-407E-A947-70E740481C1C}">
-                <a14:useLocalDpi xmlns:a14="http://schemas.microsoft.com/office/drawing/2010/main" xmlns="" val="0"/>
+                <a14:useLocalDpi xmlns:a14="http://schemas.microsoft.com/office/drawing/2010/main" val="0"/>
               </a:ext>
             </a:extLst>
           </a:blip>
@@ -1653,7 +1654,7 @@
           <a:noFill/>
           <a:extLst>
             <a:ext uri="{909E8E84-426E-40DD-AFC4-6F175D3DCCD1}">
-              <a14:hiddenFill xmlns:a14="http://schemas.microsoft.com/office/drawing/2010/main" xmlns="">
+              <a14:hiddenFill xmlns:a14="http://schemas.microsoft.com/office/drawing/2010/main">
                 <a:solidFill>
                   <a:srgbClr val="FFFFFF"/>
                 </a:solidFill>
@@ -1879,14 +1880,14 @@
           </a:ln>
           <a:extLst>
             <a:ext uri="{909E8E84-426E-40DD-AFC4-6F175D3DCCD1}">
-              <a14:hiddenFill xmlns:a14="http://schemas.microsoft.com/office/drawing/2010/main" xmlns="">
+              <a14:hiddenFill xmlns:a14="http://schemas.microsoft.com/office/drawing/2010/main">
                 <a:solidFill>
                   <a:srgbClr val="FFFFFF"/>
                 </a:solidFill>
               </a14:hiddenFill>
             </a:ext>
             <a:ext uri="{91240B29-F687-4F45-9708-019B960494DF}">
-              <a14:hiddenLine xmlns:a14="http://schemas.microsoft.com/office/drawing/2010/main" xmlns="" w="9525">
+              <a14:hiddenLine xmlns:a14="http://schemas.microsoft.com/office/drawing/2010/main" w="9525">
                 <a:solidFill>
                   <a:srgbClr val="000000"/>
                 </a:solidFill>
@@ -2034,14 +2035,14 @@
           </a:ln>
           <a:extLst>
             <a:ext uri="{909E8E84-426E-40DD-AFC4-6F175D3DCCD1}">
-              <a14:hiddenFill xmlns:a14="http://schemas.microsoft.com/office/drawing/2010/main" xmlns="">
+              <a14:hiddenFill xmlns:a14="http://schemas.microsoft.com/office/drawing/2010/main">
                 <a:solidFill>
                   <a:srgbClr val="FFFFFF"/>
                 </a:solidFill>
               </a14:hiddenFill>
             </a:ext>
             <a:ext uri="{91240B29-F687-4F45-9708-019B960494DF}">
-              <a14:hiddenLine xmlns:a14="http://schemas.microsoft.com/office/drawing/2010/main" xmlns="" w="9525">
+              <a14:hiddenLine xmlns:a14="http://schemas.microsoft.com/office/drawing/2010/main" w="9525">
                 <a:solidFill>
                   <a:srgbClr val="000000"/>
                 </a:solidFill>
@@ -2360,7 +2361,7 @@
     </p:spTree>
     <p:extLst>
       <p:ext uri="{BB962C8B-B14F-4D97-AF65-F5344CB8AC3E}">
-        <p14:creationId xmlns:p14="http://schemas.microsoft.com/office/powerpoint/2010/main" xmlns="" val="60913867"/>
+        <p14:creationId xmlns:p14="http://schemas.microsoft.com/office/powerpoint/2010/main" val="60913867"/>
       </p:ext>
     </p:extLst>
   </p:cSld>
@@ -2399,7 +2400,7 @@
           <a:blip r:embed="rId2" cstate="print">
             <a:extLst>
               <a:ext uri="{28A0092B-C50C-407E-A947-70E740481C1C}">
-                <a14:useLocalDpi xmlns:a14="http://schemas.microsoft.com/office/drawing/2010/main" xmlns="" val="0"/>
+                <a14:useLocalDpi xmlns:a14="http://schemas.microsoft.com/office/drawing/2010/main" val="0"/>
               </a:ext>
             </a:extLst>
           </a:blip>
@@ -2419,7 +2420,7 @@
           <a:noFill/>
           <a:extLst>
             <a:ext uri="{909E8E84-426E-40DD-AFC4-6F175D3DCCD1}">
-              <a14:hiddenFill xmlns:a14="http://schemas.microsoft.com/office/drawing/2010/main" xmlns="">
+              <a14:hiddenFill xmlns:a14="http://schemas.microsoft.com/office/drawing/2010/main">
                 <a:solidFill>
                   <a:srgbClr val="FFFFFF"/>
                 </a:solidFill>
@@ -2854,14 +2855,14 @@
           </a:ln>
           <a:extLst>
             <a:ext uri="{909E8E84-426E-40DD-AFC4-6F175D3DCCD1}">
-              <a14:hiddenFill xmlns:a14="http://schemas.microsoft.com/office/drawing/2010/main" xmlns="">
+              <a14:hiddenFill xmlns:a14="http://schemas.microsoft.com/office/drawing/2010/main">
                 <a:solidFill>
                   <a:srgbClr val="FFFFFF"/>
                 </a:solidFill>
               </a14:hiddenFill>
             </a:ext>
             <a:ext uri="{91240B29-F687-4F45-9708-019B960494DF}">
-              <a14:hiddenLine xmlns:a14="http://schemas.microsoft.com/office/drawing/2010/main" xmlns="" w="9525">
+              <a14:hiddenLine xmlns:a14="http://schemas.microsoft.com/office/drawing/2010/main" w="9525">
                 <a:solidFill>
                   <a:srgbClr val="000000"/>
                 </a:solidFill>
@@ -3009,14 +3010,14 @@
           </a:ln>
           <a:extLst>
             <a:ext uri="{909E8E84-426E-40DD-AFC4-6F175D3DCCD1}">
-              <a14:hiddenFill xmlns:a14="http://schemas.microsoft.com/office/drawing/2010/main" xmlns="">
+              <a14:hiddenFill xmlns:a14="http://schemas.microsoft.com/office/drawing/2010/main">
                 <a:solidFill>
                   <a:srgbClr val="FFFFFF"/>
                 </a:solidFill>
               </a14:hiddenFill>
             </a:ext>
             <a:ext uri="{91240B29-F687-4F45-9708-019B960494DF}">
-              <a14:hiddenLine xmlns:a14="http://schemas.microsoft.com/office/drawing/2010/main" xmlns="" w="9525">
+              <a14:hiddenLine xmlns:a14="http://schemas.microsoft.com/office/drawing/2010/main" w="9525">
                 <a:solidFill>
                   <a:srgbClr val="000000"/>
                 </a:solidFill>
@@ -3137,7 +3138,7 @@
     </p:spTree>
     <p:extLst>
       <p:ext uri="{BB962C8B-B14F-4D97-AF65-F5344CB8AC3E}">
-        <p14:creationId xmlns:p14="http://schemas.microsoft.com/office/powerpoint/2010/main" xmlns="" val="3144987328"/>
+        <p14:creationId xmlns:p14="http://schemas.microsoft.com/office/powerpoint/2010/main" val="3144987328"/>
       </p:ext>
     </p:extLst>
   </p:cSld>
@@ -3280,7 +3281,7 @@
     </p:spTree>
     <p:extLst>
       <p:ext uri="{BB962C8B-B14F-4D97-AF65-F5344CB8AC3E}">
-        <p14:creationId xmlns:p14="http://schemas.microsoft.com/office/powerpoint/2010/main" xmlns="" val="3286988589"/>
+        <p14:creationId xmlns:p14="http://schemas.microsoft.com/office/powerpoint/2010/main" val="3286988589"/>
       </p:ext>
     </p:extLst>
   </p:cSld>
@@ -3423,7 +3424,7 @@
     </p:spTree>
     <p:extLst>
       <p:ext uri="{BB962C8B-B14F-4D97-AF65-F5344CB8AC3E}">
-        <p14:creationId xmlns:p14="http://schemas.microsoft.com/office/powerpoint/2010/main" xmlns="" val="3793953479"/>
+        <p14:creationId xmlns:p14="http://schemas.microsoft.com/office/powerpoint/2010/main" val="3793953479"/>
       </p:ext>
     </p:extLst>
   </p:cSld>
@@ -3600,7 +3601,7 @@
     </p:spTree>
     <p:extLst>
       <p:ext uri="{BB962C8B-B14F-4D97-AF65-F5344CB8AC3E}">
-        <p14:creationId xmlns:p14="http://schemas.microsoft.com/office/powerpoint/2010/main" xmlns="" val="2233240941"/>
+        <p14:creationId xmlns:p14="http://schemas.microsoft.com/office/powerpoint/2010/main" val="2233240941"/>
       </p:ext>
     </p:extLst>
   </p:cSld>
@@ -3777,7 +3778,7 @@
     </p:spTree>
     <p:extLst>
       <p:ext uri="{BB962C8B-B14F-4D97-AF65-F5344CB8AC3E}">
-        <p14:creationId xmlns:p14="http://schemas.microsoft.com/office/powerpoint/2010/main" xmlns="" val="2763228236"/>
+        <p14:creationId xmlns:p14="http://schemas.microsoft.com/office/powerpoint/2010/main" val="2763228236"/>
       </p:ext>
     </p:extLst>
   </p:cSld>
@@ -3954,7 +3955,7 @@
     </p:spTree>
     <p:extLst>
       <p:ext uri="{BB962C8B-B14F-4D97-AF65-F5344CB8AC3E}">
-        <p14:creationId xmlns:p14="http://schemas.microsoft.com/office/powerpoint/2010/main" xmlns="" val="3103317738"/>
+        <p14:creationId xmlns:p14="http://schemas.microsoft.com/office/powerpoint/2010/main" val="3103317738"/>
       </p:ext>
     </p:extLst>
   </p:cSld>
@@ -4131,7 +4132,7 @@
     </p:spTree>
     <p:extLst>
       <p:ext uri="{BB962C8B-B14F-4D97-AF65-F5344CB8AC3E}">
-        <p14:creationId xmlns:p14="http://schemas.microsoft.com/office/powerpoint/2010/main" xmlns="" val="1162058293"/>
+        <p14:creationId xmlns:p14="http://schemas.microsoft.com/office/powerpoint/2010/main" val="1162058293"/>
       </p:ext>
     </p:extLst>
   </p:cSld>
@@ -4170,7 +4171,7 @@
           <a:blip r:embed="rId2" cstate="print">
             <a:extLst>
               <a:ext uri="{28A0092B-C50C-407E-A947-70E740481C1C}">
-                <a14:useLocalDpi xmlns:a14="http://schemas.microsoft.com/office/drawing/2010/main" xmlns="" val="0"/>
+                <a14:useLocalDpi xmlns:a14="http://schemas.microsoft.com/office/drawing/2010/main" val="0"/>
               </a:ext>
             </a:extLst>
           </a:blip>
@@ -4190,7 +4191,7 @@
           <a:noFill/>
           <a:extLst>
             <a:ext uri="{909E8E84-426E-40DD-AFC4-6F175D3DCCD1}">
-              <a14:hiddenFill xmlns:a14="http://schemas.microsoft.com/office/drawing/2010/main" xmlns="">
+              <a14:hiddenFill xmlns:a14="http://schemas.microsoft.com/office/drawing/2010/main">
                 <a:solidFill>
                   <a:srgbClr val="FFFFFF"/>
                 </a:solidFill>
@@ -4621,14 +4622,14 @@
           </a:ln>
           <a:extLst>
             <a:ext uri="{909E8E84-426E-40DD-AFC4-6F175D3DCCD1}">
-              <a14:hiddenFill xmlns:a14="http://schemas.microsoft.com/office/drawing/2010/main" xmlns="">
+              <a14:hiddenFill xmlns:a14="http://schemas.microsoft.com/office/drawing/2010/main">
                 <a:solidFill>
                   <a:srgbClr val="FFFFFF"/>
                 </a:solidFill>
               </a14:hiddenFill>
             </a:ext>
             <a:ext uri="{91240B29-F687-4F45-9708-019B960494DF}">
-              <a14:hiddenLine xmlns:a14="http://schemas.microsoft.com/office/drawing/2010/main" xmlns="" w="9525">
+              <a14:hiddenLine xmlns:a14="http://schemas.microsoft.com/office/drawing/2010/main" w="9525">
                 <a:solidFill>
                   <a:srgbClr val="000000"/>
                 </a:solidFill>
@@ -4776,14 +4777,14 @@
           </a:ln>
           <a:extLst>
             <a:ext uri="{909E8E84-426E-40DD-AFC4-6F175D3DCCD1}">
-              <a14:hiddenFill xmlns:a14="http://schemas.microsoft.com/office/drawing/2010/main" xmlns="">
+              <a14:hiddenFill xmlns:a14="http://schemas.microsoft.com/office/drawing/2010/main">
                 <a:solidFill>
                   <a:srgbClr val="FFFFFF"/>
                 </a:solidFill>
               </a14:hiddenFill>
             </a:ext>
             <a:ext uri="{91240B29-F687-4F45-9708-019B960494DF}">
-              <a14:hiddenLine xmlns:a14="http://schemas.microsoft.com/office/drawing/2010/main" xmlns="" w="9525">
+              <a14:hiddenLine xmlns:a14="http://schemas.microsoft.com/office/drawing/2010/main" w="9525">
                 <a:solidFill>
                   <a:srgbClr val="000000"/>
                 </a:solidFill>
@@ -4904,7 +4905,7 @@
     </p:spTree>
     <p:extLst>
       <p:ext uri="{BB962C8B-B14F-4D97-AF65-F5344CB8AC3E}">
-        <p14:creationId xmlns:p14="http://schemas.microsoft.com/office/powerpoint/2010/main" xmlns="" val="3666109975"/>
+        <p14:creationId xmlns:p14="http://schemas.microsoft.com/office/powerpoint/2010/main" val="3666109975"/>
       </p:ext>
     </p:extLst>
   </p:cSld>
@@ -5052,7 +5053,7 @@
     </p:spTree>
     <p:extLst>
       <p:ext uri="{BB962C8B-B14F-4D97-AF65-F5344CB8AC3E}">
-        <p14:creationId xmlns:p14="http://schemas.microsoft.com/office/powerpoint/2010/main" xmlns="" val="2819493706"/>
+        <p14:creationId xmlns:p14="http://schemas.microsoft.com/office/powerpoint/2010/main" val="2819493706"/>
       </p:ext>
     </p:extLst>
   </p:cSld>
@@ -5195,7 +5196,7 @@
     </p:spTree>
     <p:extLst>
       <p:ext uri="{BB962C8B-B14F-4D97-AF65-F5344CB8AC3E}">
-        <p14:creationId xmlns:p14="http://schemas.microsoft.com/office/powerpoint/2010/main" xmlns="" val="77092263"/>
+        <p14:creationId xmlns:p14="http://schemas.microsoft.com/office/powerpoint/2010/main" val="77092263"/>
       </p:ext>
     </p:extLst>
   </p:cSld>
@@ -5376,7 +5377,7 @@
     </p:spTree>
     <p:extLst>
       <p:ext uri="{BB962C8B-B14F-4D97-AF65-F5344CB8AC3E}">
-        <p14:creationId xmlns:p14="http://schemas.microsoft.com/office/powerpoint/2010/main" xmlns="" val="2738860221"/>
+        <p14:creationId xmlns:p14="http://schemas.microsoft.com/office/powerpoint/2010/main" val="2738860221"/>
       </p:ext>
     </p:extLst>
   </p:cSld>
@@ -5557,7 +5558,7 @@
     </p:spTree>
     <p:extLst>
       <p:ext uri="{BB962C8B-B14F-4D97-AF65-F5344CB8AC3E}">
-        <p14:creationId xmlns:p14="http://schemas.microsoft.com/office/powerpoint/2010/main" xmlns="" val="650290521"/>
+        <p14:creationId xmlns:p14="http://schemas.microsoft.com/office/powerpoint/2010/main" val="650290521"/>
       </p:ext>
     </p:extLst>
   </p:cSld>
@@ -5738,7 +5739,7 @@
     </p:spTree>
     <p:extLst>
       <p:ext uri="{BB962C8B-B14F-4D97-AF65-F5344CB8AC3E}">
-        <p14:creationId xmlns:p14="http://schemas.microsoft.com/office/powerpoint/2010/main" xmlns="" val="3824870234"/>
+        <p14:creationId xmlns:p14="http://schemas.microsoft.com/office/powerpoint/2010/main" val="3824870234"/>
       </p:ext>
     </p:extLst>
   </p:cSld>
@@ -5919,7 +5920,7 @@
     </p:spTree>
     <p:extLst>
       <p:ext uri="{BB962C8B-B14F-4D97-AF65-F5344CB8AC3E}">
-        <p14:creationId xmlns:p14="http://schemas.microsoft.com/office/powerpoint/2010/main" xmlns="" val="3824870234"/>
+        <p14:creationId xmlns:p14="http://schemas.microsoft.com/office/powerpoint/2010/main" val="3824870234"/>
       </p:ext>
     </p:extLst>
   </p:cSld>
@@ -5958,7 +5959,7 @@
           <a:blip r:embed="rId2" cstate="print">
             <a:extLst>
               <a:ext uri="{28A0092B-C50C-407E-A947-70E740481C1C}">
-                <a14:useLocalDpi xmlns:a14="http://schemas.microsoft.com/office/drawing/2010/main" xmlns="" val="0"/>
+                <a14:useLocalDpi xmlns:a14="http://schemas.microsoft.com/office/drawing/2010/main" val="0"/>
               </a:ext>
             </a:extLst>
           </a:blip>
@@ -5978,7 +5979,7 @@
           <a:noFill/>
           <a:extLst>
             <a:ext uri="{909E8E84-426E-40DD-AFC4-6F175D3DCCD1}">
-              <a14:hiddenFill xmlns:a14="http://schemas.microsoft.com/office/drawing/2010/main" xmlns="">
+              <a14:hiddenFill xmlns:a14="http://schemas.microsoft.com/office/drawing/2010/main">
                 <a:solidFill>
                   <a:srgbClr val="FFFFFF"/>
                 </a:solidFill>
@@ -6166,14 +6167,14 @@
           </a:ln>
           <a:extLst>
             <a:ext uri="{909E8E84-426E-40DD-AFC4-6F175D3DCCD1}">
-              <a14:hiddenFill xmlns:a14="http://schemas.microsoft.com/office/drawing/2010/main" xmlns="">
+              <a14:hiddenFill xmlns:a14="http://schemas.microsoft.com/office/drawing/2010/main">
                 <a:solidFill>
                   <a:srgbClr val="FFFFFF"/>
                 </a:solidFill>
               </a14:hiddenFill>
             </a:ext>
             <a:ext uri="{91240B29-F687-4F45-9708-019B960494DF}">
-              <a14:hiddenLine xmlns:a14="http://schemas.microsoft.com/office/drawing/2010/main" xmlns="" w="9525">
+              <a14:hiddenLine xmlns:a14="http://schemas.microsoft.com/office/drawing/2010/main" w="9525">
                 <a:solidFill>
                   <a:srgbClr val="000000"/>
                 </a:solidFill>
@@ -6321,14 +6322,14 @@
           </a:ln>
           <a:extLst>
             <a:ext uri="{909E8E84-426E-40DD-AFC4-6F175D3DCCD1}">
-              <a14:hiddenFill xmlns:a14="http://schemas.microsoft.com/office/drawing/2010/main" xmlns="">
+              <a14:hiddenFill xmlns:a14="http://schemas.microsoft.com/office/drawing/2010/main">
                 <a:solidFill>
                   <a:srgbClr val="FFFFFF"/>
                 </a:solidFill>
               </a14:hiddenFill>
             </a:ext>
             <a:ext uri="{91240B29-F687-4F45-9708-019B960494DF}">
-              <a14:hiddenLine xmlns:a14="http://schemas.microsoft.com/office/drawing/2010/main" xmlns="" w="9525">
+              <a14:hiddenLine xmlns:a14="http://schemas.microsoft.com/office/drawing/2010/main" w="9525">
                 <a:solidFill>
                   <a:srgbClr val="000000"/>
                 </a:solidFill>
@@ -6657,14 +6658,14 @@
           </a:ln>
           <a:extLst>
             <a:ext uri="{909E8E84-426E-40DD-AFC4-6F175D3DCCD1}">
-              <a14:hiddenFill xmlns:a14="http://schemas.microsoft.com/office/drawing/2010/main" xmlns="">
+              <a14:hiddenFill xmlns:a14="http://schemas.microsoft.com/office/drawing/2010/main">
                 <a:solidFill>
                   <a:srgbClr val="FFFFFF"/>
                 </a:solidFill>
               </a14:hiddenFill>
             </a:ext>
             <a:ext uri="{91240B29-F687-4F45-9708-019B960494DF}">
-              <a14:hiddenLine xmlns:a14="http://schemas.microsoft.com/office/drawing/2010/main" xmlns="" w="9525">
+              <a14:hiddenLine xmlns:a14="http://schemas.microsoft.com/office/drawing/2010/main" w="9525">
                 <a:solidFill>
                   <a:srgbClr val="000000"/>
                 </a:solidFill>
@@ -6807,7 +6808,7 @@
     </p:spTree>
     <p:extLst>
       <p:ext uri="{BB962C8B-B14F-4D97-AF65-F5344CB8AC3E}">
-        <p14:creationId xmlns:p14="http://schemas.microsoft.com/office/powerpoint/2010/main" xmlns="" val="869552952"/>
+        <p14:creationId xmlns:p14="http://schemas.microsoft.com/office/powerpoint/2010/main" val="869552952"/>
       </p:ext>
     </p:extLst>
   </p:cSld>
@@ -7007,7 +7008,7 @@
     </p:spTree>
     <p:extLst>
       <p:ext uri="{BB962C8B-B14F-4D97-AF65-F5344CB8AC3E}">
-        <p14:creationId xmlns:p14="http://schemas.microsoft.com/office/powerpoint/2010/main" xmlns="" val="1762946546"/>
+        <p14:creationId xmlns:p14="http://schemas.microsoft.com/office/powerpoint/2010/main" val="1762946546"/>
       </p:ext>
     </p:extLst>
   </p:cSld>
@@ -7486,7 +7487,7 @@
     </p:spTree>
     <p:extLst>
       <p:ext uri="{BB962C8B-B14F-4D97-AF65-F5344CB8AC3E}">
-        <p14:creationId xmlns:p14="http://schemas.microsoft.com/office/powerpoint/2010/main" xmlns="" val="3399316055"/>
+        <p14:creationId xmlns:p14="http://schemas.microsoft.com/office/powerpoint/2010/main" val="3399316055"/>
       </p:ext>
     </p:extLst>
   </p:cSld>
@@ -7873,7 +7874,7 @@
     </p:spTree>
     <p:extLst>
       <p:ext uri="{BB962C8B-B14F-4D97-AF65-F5344CB8AC3E}">
-        <p14:creationId xmlns:p14="http://schemas.microsoft.com/office/powerpoint/2010/main" xmlns="" val="2797080380"/>
+        <p14:creationId xmlns:p14="http://schemas.microsoft.com/office/powerpoint/2010/main" val="2797080380"/>
       </p:ext>
     </p:extLst>
   </p:cSld>
@@ -7925,12 +7926,24 @@
           <a:lstStyle/>
           <a:p>
             <a:r>
+              <a:rPr lang="nl-NL" dirty="0" smtClean="0"/>
+              <a:t>Workshop </a:t>
+            </a:r>
+            <a:r>
               <a:rPr lang="nl-NL" dirty="0" err="1" smtClean="0"/>
-              <a:t>Who</a:t>
+              <a:t>JavaScript</a:t>
             </a:r>
             <a:r>
               <a:rPr lang="nl-NL" dirty="0" smtClean="0"/>
-              <a:t> are we?</a:t>
+              <a:t> </a:t>
+            </a:r>
+            <a:r>
+              <a:rPr lang="nl-NL" dirty="0" err="1" smtClean="0"/>
+              <a:t>mbv</a:t>
+            </a:r>
+            <a:r>
+              <a:rPr lang="nl-NL" dirty="0" smtClean="0"/>
+              <a:t> jQuery</a:t>
             </a:r>
             <a:endParaRPr lang="nl-NL" dirty="0"/>
           </a:p>
@@ -7946,96 +7959,57 @@
             <p:ph idx="1"/>
           </p:nvPr>
         </p:nvSpPr>
-        <p:spPr>
-          <a:xfrm>
-            <a:off x="251520" y="1268760"/>
-            <a:ext cx="2851032" cy="4680520"/>
-          </a:xfrm>
-        </p:spPr>
+        <p:spPr/>
         <p:txBody>
           <a:bodyPr/>
           <a:lstStyle/>
           <a:p>
             <a:r>
-              <a:rPr lang="en-US" dirty="0" smtClean="0"/>
-              <a:t>Marco Franssen</a:t>
-            </a:r>
-          </a:p>
-          <a:p>
-            <a:pPr lvl="1"/>
-            <a:r>
-              <a:rPr lang="en-US" dirty="0" smtClean="0"/>
-              <a:t>Twitter</a:t>
-            </a:r>
-          </a:p>
-          <a:p>
-            <a:pPr lvl="2"/>
-            <a:r>
-              <a:rPr lang="en-US" dirty="0" smtClean="0">
-                <a:hlinkClick r:id="rId2"/>
-              </a:rPr>
-              <a:t>@</a:t>
-            </a:r>
-            <a:r>
-              <a:rPr lang="en-US" dirty="0" err="1" smtClean="0">
-                <a:hlinkClick r:id="rId2"/>
-              </a:rPr>
-              <a:t>marcofranssen</a:t>
-            </a:r>
-            <a:endParaRPr lang="en-US" dirty="0" smtClean="0"/>
-          </a:p>
-          <a:p>
-            <a:pPr lvl="1"/>
-            <a:r>
-              <a:rPr lang="en-US" dirty="0" smtClean="0"/>
-              <a:t>Interests</a:t>
-            </a:r>
-          </a:p>
-          <a:p>
-            <a:pPr lvl="2"/>
-            <a:r>
-              <a:rPr lang="en-US" dirty="0" smtClean="0"/>
-              <a:t>Architecture</a:t>
-            </a:r>
-          </a:p>
-          <a:p>
-            <a:pPr lvl="2"/>
-            <a:r>
-              <a:rPr lang="en-US" dirty="0" smtClean="0"/>
-              <a:t>Design Patterns</a:t>
-            </a:r>
-            <a:endParaRPr lang="en-US" dirty="0" smtClean="0"/>
-          </a:p>
-          <a:p>
-            <a:pPr lvl="2"/>
-            <a:r>
-              <a:rPr lang="en-US" dirty="0" smtClean="0"/>
-              <a:t>Domain Driven Design</a:t>
-            </a:r>
-          </a:p>
-          <a:p>
-            <a:pPr lvl="2"/>
-            <a:r>
-              <a:rPr lang="en-US" dirty="0" smtClean="0"/>
-              <a:t>Distributed Systems</a:t>
-            </a:r>
-          </a:p>
-          <a:p>
-            <a:pPr lvl="2"/>
-            <a:r>
-              <a:rPr lang="en-US" dirty="0" smtClean="0"/>
-              <a:t>CQRS</a:t>
-            </a:r>
-          </a:p>
-          <a:p>
-            <a:pPr lvl="2"/>
-            <a:r>
-              <a:rPr lang="en-US" dirty="0" smtClean="0"/>
-              <a:t>Dependency Injection</a:t>
-            </a:r>
-            <a:endParaRPr lang="en-US" dirty="0" smtClean="0"/>
-          </a:p>
-          <a:p>
+              <a:rPr lang="en-US" sz="2800" dirty="0" smtClean="0"/>
+              <a:t>Basic jQuery</a:t>
+            </a:r>
+          </a:p>
+          <a:p>
+            <a:r>
+              <a:rPr lang="en-US" sz="2800" dirty="0" smtClean="0"/>
+              <a:t>Ajax </a:t>
+            </a:r>
+            <a:r>
+              <a:rPr lang="en-US" sz="2800" dirty="0" err="1" smtClean="0"/>
+              <a:t>mbv</a:t>
+            </a:r>
+            <a:r>
+              <a:rPr lang="en-US" sz="2800" dirty="0" smtClean="0"/>
+              <a:t> jQuery</a:t>
+            </a:r>
+          </a:p>
+          <a:p>
+            <a:r>
+              <a:rPr lang="en-US" sz="2800" dirty="0" smtClean="0"/>
+              <a:t>jQuery UI</a:t>
+            </a:r>
+          </a:p>
+          <a:p>
+            <a:r>
+              <a:rPr lang="en-US" sz="2800" dirty="0" smtClean="0"/>
+              <a:t>Advanced JavaScript</a:t>
+            </a:r>
+          </a:p>
+          <a:p>
+            <a:r>
+              <a:rPr lang="en-US" sz="2800" dirty="0" smtClean="0"/>
+              <a:t>MVVM met </a:t>
+            </a:r>
+            <a:r>
+              <a:rPr lang="en-US" sz="2800" dirty="0" err="1" smtClean="0"/>
+              <a:t>KnockoutJS</a:t>
+            </a:r>
+            <a:endParaRPr lang="en-US" sz="2800" dirty="0" smtClean="0"/>
+          </a:p>
+          <a:p>
+            <a:pPr marL="0" indent="0">
+              <a:buNone/>
+            </a:pPr>
             <a:endParaRPr lang="en-US" dirty="0"/>
           </a:p>
           <a:p>
@@ -8062,6 +8036,201 @@
               <a:rPr lang="nl-NL" smtClean="0"/>
               <a:pPr/>
               <a:t>2</a:t>
+            </a:fld>
+            <a:endParaRPr lang="nl-NL"/>
+          </a:p>
+        </p:txBody>
+      </p:sp>
+    </p:spTree>
+    <p:extLst>
+      <p:ext uri="{BB962C8B-B14F-4D97-AF65-F5344CB8AC3E}">
+        <p14:creationId xmlns:p14="http://schemas.microsoft.com/office/powerpoint/2010/main" val="1429409628"/>
+      </p:ext>
+    </p:extLst>
+  </p:cSld>
+  <p:clrMapOvr>
+    <a:masterClrMapping/>
+  </p:clrMapOvr>
+  <p:timing>
+    <p:tnLst>
+      <p:par>
+        <p:cTn id="1" dur="indefinite" restart="never" nodeType="tmRoot"/>
+      </p:par>
+    </p:tnLst>
+  </p:timing>
+</p:sld>
+</file>
+
+<file path=ppt/slides/slide3.xml><?xml version="1.0" encoding="utf-8"?>
+<p:sld xmlns:a="http://schemas.openxmlformats.org/drawingml/2006/main" xmlns:r="http://schemas.openxmlformats.org/officeDocument/2006/relationships" xmlns:p="http://schemas.openxmlformats.org/presentationml/2006/main">
+  <p:cSld>
+    <p:spTree>
+      <p:nvGrpSpPr>
+        <p:cNvPr id="1" name=""/>
+        <p:cNvGrpSpPr/>
+        <p:nvPr/>
+      </p:nvGrpSpPr>
+      <p:grpSpPr>
+        <a:xfrm>
+          <a:off x="0" y="0"/>
+          <a:ext cx="0" cy="0"/>
+          <a:chOff x="0" y="0"/>
+          <a:chExt cx="0" cy="0"/>
+        </a:xfrm>
+      </p:grpSpPr>
+      <p:sp>
+        <p:nvSpPr>
+          <p:cNvPr id="4" name="Title 3"/>
+          <p:cNvSpPr>
+            <a:spLocks noGrp="1"/>
+          </p:cNvSpPr>
+          <p:nvPr>
+            <p:ph type="title"/>
+          </p:nvPr>
+        </p:nvSpPr>
+        <p:spPr/>
+        <p:txBody>
+          <a:bodyPr>
+            <a:normAutofit fontScale="90000"/>
+          </a:bodyPr>
+          <a:lstStyle/>
+          <a:p>
+            <a:r>
+              <a:rPr lang="nl-NL" dirty="0" err="1" smtClean="0"/>
+              <a:t>Who</a:t>
+            </a:r>
+            <a:r>
+              <a:rPr lang="nl-NL" dirty="0" smtClean="0"/>
+              <a:t> are we?</a:t>
+            </a:r>
+            <a:endParaRPr lang="nl-NL" dirty="0"/>
+          </a:p>
+        </p:txBody>
+      </p:sp>
+      <p:sp>
+        <p:nvSpPr>
+          <p:cNvPr id="5" name="Content Placeholder 4"/>
+          <p:cNvSpPr>
+            <a:spLocks noGrp="1"/>
+          </p:cNvSpPr>
+          <p:nvPr>
+            <p:ph idx="1"/>
+          </p:nvPr>
+        </p:nvSpPr>
+        <p:spPr>
+          <a:xfrm>
+            <a:off x="251520" y="1268760"/>
+            <a:ext cx="2851032" cy="4680520"/>
+          </a:xfrm>
+        </p:spPr>
+        <p:txBody>
+          <a:bodyPr/>
+          <a:lstStyle/>
+          <a:p>
+            <a:r>
+              <a:rPr lang="en-US" dirty="0" smtClean="0"/>
+              <a:t>Marco Franssen</a:t>
+            </a:r>
+          </a:p>
+          <a:p>
+            <a:pPr lvl="1"/>
+            <a:r>
+              <a:rPr lang="en-US" dirty="0" smtClean="0"/>
+              <a:t>Twitter</a:t>
+            </a:r>
+          </a:p>
+          <a:p>
+            <a:pPr lvl="2"/>
+            <a:r>
+              <a:rPr lang="en-US" dirty="0" smtClean="0">
+                <a:hlinkClick r:id="rId2"/>
+              </a:rPr>
+              <a:t>@</a:t>
+            </a:r>
+            <a:r>
+              <a:rPr lang="en-US" dirty="0" err="1" smtClean="0">
+                <a:hlinkClick r:id="rId2"/>
+              </a:rPr>
+              <a:t>marcofranssen</a:t>
+            </a:r>
+            <a:endParaRPr lang="en-US" dirty="0" smtClean="0"/>
+          </a:p>
+          <a:p>
+            <a:pPr lvl="1"/>
+            <a:r>
+              <a:rPr lang="en-US" dirty="0" smtClean="0"/>
+              <a:t>Interests</a:t>
+            </a:r>
+          </a:p>
+          <a:p>
+            <a:pPr lvl="2"/>
+            <a:r>
+              <a:rPr lang="en-US" dirty="0" smtClean="0"/>
+              <a:t>Architecture</a:t>
+            </a:r>
+          </a:p>
+          <a:p>
+            <a:pPr lvl="2"/>
+            <a:r>
+              <a:rPr lang="en-US" dirty="0" smtClean="0"/>
+              <a:t>Design Patterns</a:t>
+            </a:r>
+          </a:p>
+          <a:p>
+            <a:pPr lvl="2"/>
+            <a:r>
+              <a:rPr lang="en-US" dirty="0" smtClean="0"/>
+              <a:t>Domain Driven Design</a:t>
+            </a:r>
+          </a:p>
+          <a:p>
+            <a:pPr lvl="2"/>
+            <a:r>
+              <a:rPr lang="en-US" dirty="0" smtClean="0"/>
+              <a:t>Distributed Systems</a:t>
+            </a:r>
+          </a:p>
+          <a:p>
+            <a:pPr lvl="2"/>
+            <a:r>
+              <a:rPr lang="en-US" dirty="0" smtClean="0"/>
+              <a:t>CQRS</a:t>
+            </a:r>
+          </a:p>
+          <a:p>
+            <a:pPr lvl="2"/>
+            <a:r>
+              <a:rPr lang="en-US" dirty="0" smtClean="0"/>
+              <a:t>Dependency Injection</a:t>
+            </a:r>
+          </a:p>
+          <a:p>
+            <a:endParaRPr lang="en-US" dirty="0"/>
+          </a:p>
+          <a:p>
+            <a:endParaRPr lang="nl-NL" dirty="0"/>
+          </a:p>
+        </p:txBody>
+      </p:sp>
+      <p:sp>
+        <p:nvSpPr>
+          <p:cNvPr id="6" name="Slide Number Placeholder 5"/>
+          <p:cNvSpPr>
+            <a:spLocks noGrp="1"/>
+          </p:cNvSpPr>
+          <p:nvPr>
+            <p:ph type="sldNum" sz="quarter" idx="12"/>
+          </p:nvPr>
+        </p:nvSpPr>
+        <p:spPr/>
+        <p:txBody>
+          <a:bodyPr/>
+          <a:lstStyle/>
+          <a:p>
+            <a:fld id="{DAF489CC-3B7A-4DA5-A8C0-4984788D0EC5}" type="slidenum">
+              <a:rPr lang="nl-NL" smtClean="0"/>
+              <a:pPr/>
+              <a:t>3</a:t>
             </a:fld>
             <a:endParaRPr lang="nl-NL"/>
           </a:p>
@@ -8581,7 +8750,7 @@
     </p:spTree>
     <p:extLst>
       <p:ext uri="{BB962C8B-B14F-4D97-AF65-F5344CB8AC3E}">
-        <p14:creationId xmlns:p14="http://schemas.microsoft.com/office/powerpoint/2010/main" xmlns="" val="341994559"/>
+        <p14:creationId xmlns:p14="http://schemas.microsoft.com/office/powerpoint/2010/main" val="341994559"/>
       </p:ext>
     </p:extLst>
   </p:cSld>
@@ -8712,7 +8881,7 @@
 </p:sld>
 </file>
 
-<file path=ppt/slides/slide3.xml><?xml version="1.0" encoding="utf-8"?>
+<file path=ppt/slides/slide4.xml><?xml version="1.0" encoding="utf-8"?>
 <p:sld xmlns:a="http://schemas.openxmlformats.org/drawingml/2006/main" xmlns:r="http://schemas.openxmlformats.org/officeDocument/2006/relationships" xmlns:p="http://schemas.openxmlformats.org/presentationml/2006/main">
   <p:cSld>
     <p:spTree>
@@ -8758,13 +8927,7 @@
               <a:rPr lang="nl-NL" dirty="0" smtClean="0">
                 <a:sym typeface="Wingdings" pitchFamily="2" charset="2"/>
               </a:rPr>
-              <a:t> </a:t>
-            </a:r>
-            <a:r>
-              <a:rPr lang="nl-NL" dirty="0" smtClean="0">
-                <a:sym typeface="Wingdings" pitchFamily="2" charset="2"/>
-              </a:rPr>
-              <a:t>MVVM </a:t>
+              <a:t> MVVM </a:t>
             </a:r>
             <a:r>
               <a:rPr lang="nl-NL" dirty="0" err="1" smtClean="0">
@@ -8822,7 +8985,7 @@
             <a:fld id="{DAF489CC-3B7A-4DA5-A8C0-4984788D0EC5}" type="slidenum">
               <a:rPr lang="nl-NL" smtClean="0"/>
               <a:pPr/>
-              <a:t>3</a:t>
+              <a:t>4</a:t>
             </a:fld>
             <a:endParaRPr lang="nl-NL"/>
           </a:p>
@@ -9186,11 +9349,7 @@
             </a:r>
             <a:r>
               <a:rPr lang="nl-NL" dirty="0" smtClean="0"/>
-              <a:t>,</a:t>
-            </a:r>
-            <a:r>
-              <a:rPr lang="nl-NL" dirty="0" smtClean="0"/>
-              <a:t> manipulaties en toevoegingen van data</a:t>
+              <a:t>, manipulaties en toevoegingen van data</a:t>
             </a:r>
             <a:endParaRPr lang="nl-NL" dirty="0"/>
           </a:p>
@@ -9366,7 +9525,7 @@
     </p:spTree>
     <p:extLst>
       <p:ext uri="{BB962C8B-B14F-4D97-AF65-F5344CB8AC3E}">
-        <p14:creationId xmlns:p14="http://schemas.microsoft.com/office/powerpoint/2010/main" xmlns="" val="341994559"/>
+        <p14:creationId xmlns:p14="http://schemas.microsoft.com/office/powerpoint/2010/main" val="341994559"/>
       </p:ext>
     </p:extLst>
   </p:cSld>
@@ -9956,166 +10115,6 @@
 </p:sld>
 </file>
 
-<file path=ppt/slides/slide4.xml><?xml version="1.0" encoding="utf-8"?>
-<p:sld xmlns:a="http://schemas.openxmlformats.org/drawingml/2006/main" xmlns:r="http://schemas.openxmlformats.org/officeDocument/2006/relationships" xmlns:p="http://schemas.openxmlformats.org/presentationml/2006/main">
-  <p:cSld>
-    <p:spTree>
-      <p:nvGrpSpPr>
-        <p:cNvPr id="1" name=""/>
-        <p:cNvGrpSpPr/>
-        <p:nvPr/>
-      </p:nvGrpSpPr>
-      <p:grpSpPr>
-        <a:xfrm>
-          <a:off x="0" y="0"/>
-          <a:ext cx="0" cy="0"/>
-          <a:chOff x="0" y="0"/>
-          <a:chExt cx="0" cy="0"/>
-        </a:xfrm>
-      </p:grpSpPr>
-      <p:sp>
-        <p:nvSpPr>
-          <p:cNvPr id="4" name="Title 3"/>
-          <p:cNvSpPr>
-            <a:spLocks noGrp="1"/>
-          </p:cNvSpPr>
-          <p:nvPr>
-            <p:ph type="title"/>
-          </p:nvPr>
-        </p:nvSpPr>
-        <p:spPr/>
-        <p:txBody>
-          <a:bodyPr>
-            <a:normAutofit fontScale="90000"/>
-          </a:bodyPr>
-          <a:lstStyle/>
-          <a:p>
-            <a:r>
-              <a:rPr lang="nl-NL" dirty="0" err="1" smtClean="0"/>
-              <a:t>Github</a:t>
-            </a:r>
-            <a:endParaRPr lang="nl-NL" dirty="0"/>
-          </a:p>
-        </p:txBody>
-      </p:sp>
-      <p:sp>
-        <p:nvSpPr>
-          <p:cNvPr id="5" name="Content Placeholder 4"/>
-          <p:cNvSpPr>
-            <a:spLocks noGrp="1"/>
-          </p:cNvSpPr>
-          <p:nvPr>
-            <p:ph idx="1"/>
-          </p:nvPr>
-        </p:nvSpPr>
-        <p:spPr/>
-        <p:txBody>
-          <a:bodyPr/>
-          <a:lstStyle/>
-          <a:p>
-            <a:r>
-              <a:rPr lang="en-US" dirty="0" smtClean="0"/>
-              <a:t>Open source workshop</a:t>
-            </a:r>
-          </a:p>
-          <a:p>
-            <a:pPr lvl="1"/>
-            <a:r>
-              <a:rPr lang="en-US" dirty="0" smtClean="0"/>
-              <a:t>Eigen </a:t>
-            </a:r>
-            <a:r>
-              <a:rPr lang="en-US" dirty="0" err="1" smtClean="0"/>
-              <a:t>bijdrage</a:t>
-            </a:r>
-            <a:r>
-              <a:rPr lang="en-US" dirty="0" smtClean="0"/>
-              <a:t> </a:t>
-            </a:r>
-            <a:r>
-              <a:rPr lang="en-US" dirty="0" err="1" smtClean="0"/>
-              <a:t>leveren</a:t>
-            </a:r>
-            <a:endParaRPr lang="en-US" dirty="0" smtClean="0"/>
-          </a:p>
-          <a:p>
-            <a:pPr lvl="2"/>
-            <a:r>
-              <a:rPr lang="en-US" dirty="0" err="1" smtClean="0"/>
-              <a:t>Forken</a:t>
-            </a:r>
-            <a:endParaRPr lang="en-US" dirty="0" smtClean="0"/>
-          </a:p>
-          <a:p>
-            <a:pPr lvl="3"/>
-            <a:r>
-              <a:rPr lang="en-US" dirty="0" err="1" smtClean="0"/>
-              <a:t>Handleiding</a:t>
-            </a:r>
-            <a:r>
-              <a:rPr lang="en-US" dirty="0" smtClean="0"/>
-              <a:t> op </a:t>
-            </a:r>
-            <a:r>
-              <a:rPr lang="en-US" dirty="0" smtClean="0">
-                <a:hlinkClick r:id="rId2"/>
-              </a:rPr>
-              <a:t>http://github.com/atosorigin/javascriptWorkShop</a:t>
-            </a:r>
-            <a:endParaRPr lang="en-US" dirty="0" smtClean="0"/>
-          </a:p>
-          <a:p>
-            <a:endParaRPr lang="en-US" dirty="0"/>
-          </a:p>
-          <a:p>
-            <a:endParaRPr lang="nl-NL" dirty="0"/>
-          </a:p>
-        </p:txBody>
-      </p:sp>
-      <p:sp>
-        <p:nvSpPr>
-          <p:cNvPr id="6" name="Slide Number Placeholder 5"/>
-          <p:cNvSpPr>
-            <a:spLocks noGrp="1"/>
-          </p:cNvSpPr>
-          <p:nvPr>
-            <p:ph type="sldNum" sz="quarter" idx="12"/>
-          </p:nvPr>
-        </p:nvSpPr>
-        <p:spPr/>
-        <p:txBody>
-          <a:bodyPr/>
-          <a:lstStyle/>
-          <a:p>
-            <a:fld id="{DAF489CC-3B7A-4DA5-A8C0-4984788D0EC5}" type="slidenum">
-              <a:rPr lang="nl-NL" smtClean="0"/>
-              <a:pPr/>
-              <a:t>4</a:t>
-            </a:fld>
-            <a:endParaRPr lang="nl-NL"/>
-          </a:p>
-        </p:txBody>
-      </p:sp>
-    </p:spTree>
-    <p:extLst>
-      <p:ext uri="{BB962C8B-B14F-4D97-AF65-F5344CB8AC3E}">
-        <p14:creationId xmlns:p14="http://schemas.microsoft.com/office/powerpoint/2010/main" xmlns="" val="341994559"/>
-      </p:ext>
-    </p:extLst>
-  </p:cSld>
-  <p:clrMapOvr>
-    <a:masterClrMapping/>
-  </p:clrMapOvr>
-  <p:timing>
-    <p:tnLst>
-      <p:par>
-        <p:cTn id="1" dur="indefinite" restart="never" nodeType="tmRoot"/>
-      </p:par>
-    </p:tnLst>
-  </p:timing>
-</p:sld>
-</file>
-
 <file path=ppt/slides/slide5.xml><?xml version="1.0" encoding="utf-8"?>
 <p:sld xmlns:a="http://schemas.openxmlformats.org/drawingml/2006/main" xmlns:r="http://schemas.openxmlformats.org/officeDocument/2006/relationships" xmlns:p="http://schemas.openxmlformats.org/presentationml/2006/main">
   <p:cSld>
@@ -10140,6 +10139,166 @@
             <a:spLocks noGrp="1"/>
           </p:cNvSpPr>
           <p:nvPr>
+            <p:ph type="title"/>
+          </p:nvPr>
+        </p:nvSpPr>
+        <p:spPr/>
+        <p:txBody>
+          <a:bodyPr>
+            <a:normAutofit fontScale="90000"/>
+          </a:bodyPr>
+          <a:lstStyle/>
+          <a:p>
+            <a:r>
+              <a:rPr lang="nl-NL" dirty="0" err="1" smtClean="0"/>
+              <a:t>Github</a:t>
+            </a:r>
+            <a:endParaRPr lang="nl-NL" dirty="0"/>
+          </a:p>
+        </p:txBody>
+      </p:sp>
+      <p:sp>
+        <p:nvSpPr>
+          <p:cNvPr id="5" name="Content Placeholder 4"/>
+          <p:cNvSpPr>
+            <a:spLocks noGrp="1"/>
+          </p:cNvSpPr>
+          <p:nvPr>
+            <p:ph idx="1"/>
+          </p:nvPr>
+        </p:nvSpPr>
+        <p:spPr/>
+        <p:txBody>
+          <a:bodyPr/>
+          <a:lstStyle/>
+          <a:p>
+            <a:r>
+              <a:rPr lang="en-US" dirty="0" smtClean="0"/>
+              <a:t>Open source workshop</a:t>
+            </a:r>
+          </a:p>
+          <a:p>
+            <a:pPr lvl="1"/>
+            <a:r>
+              <a:rPr lang="en-US" dirty="0" smtClean="0"/>
+              <a:t>Eigen </a:t>
+            </a:r>
+            <a:r>
+              <a:rPr lang="en-US" dirty="0" err="1" smtClean="0"/>
+              <a:t>bijdrage</a:t>
+            </a:r>
+            <a:r>
+              <a:rPr lang="en-US" dirty="0" smtClean="0"/>
+              <a:t> </a:t>
+            </a:r>
+            <a:r>
+              <a:rPr lang="en-US" dirty="0" err="1" smtClean="0"/>
+              <a:t>leveren</a:t>
+            </a:r>
+            <a:endParaRPr lang="en-US" dirty="0" smtClean="0"/>
+          </a:p>
+          <a:p>
+            <a:pPr lvl="2"/>
+            <a:r>
+              <a:rPr lang="en-US" dirty="0" err="1" smtClean="0"/>
+              <a:t>Forken</a:t>
+            </a:r>
+            <a:endParaRPr lang="en-US" dirty="0" smtClean="0"/>
+          </a:p>
+          <a:p>
+            <a:pPr lvl="3"/>
+            <a:r>
+              <a:rPr lang="en-US" dirty="0" err="1" smtClean="0"/>
+              <a:t>Handleiding</a:t>
+            </a:r>
+            <a:r>
+              <a:rPr lang="en-US" dirty="0" smtClean="0"/>
+              <a:t> op </a:t>
+            </a:r>
+            <a:r>
+              <a:rPr lang="en-US" dirty="0" smtClean="0">
+                <a:hlinkClick r:id="rId2"/>
+              </a:rPr>
+              <a:t>http://github.com/atosorigin/javascriptWorkShop</a:t>
+            </a:r>
+            <a:endParaRPr lang="en-US" dirty="0" smtClean="0"/>
+          </a:p>
+          <a:p>
+            <a:endParaRPr lang="en-US" dirty="0"/>
+          </a:p>
+          <a:p>
+            <a:endParaRPr lang="nl-NL" dirty="0"/>
+          </a:p>
+        </p:txBody>
+      </p:sp>
+      <p:sp>
+        <p:nvSpPr>
+          <p:cNvPr id="6" name="Slide Number Placeholder 5"/>
+          <p:cNvSpPr>
+            <a:spLocks noGrp="1"/>
+          </p:cNvSpPr>
+          <p:nvPr>
+            <p:ph type="sldNum" sz="quarter" idx="12"/>
+          </p:nvPr>
+        </p:nvSpPr>
+        <p:spPr/>
+        <p:txBody>
+          <a:bodyPr/>
+          <a:lstStyle/>
+          <a:p>
+            <a:fld id="{DAF489CC-3B7A-4DA5-A8C0-4984788D0EC5}" type="slidenum">
+              <a:rPr lang="nl-NL" smtClean="0"/>
+              <a:pPr/>
+              <a:t>5</a:t>
+            </a:fld>
+            <a:endParaRPr lang="nl-NL"/>
+          </a:p>
+        </p:txBody>
+      </p:sp>
+    </p:spTree>
+    <p:extLst>
+      <p:ext uri="{BB962C8B-B14F-4D97-AF65-F5344CB8AC3E}">
+        <p14:creationId xmlns:p14="http://schemas.microsoft.com/office/powerpoint/2010/main" val="341994559"/>
+      </p:ext>
+    </p:extLst>
+  </p:cSld>
+  <p:clrMapOvr>
+    <a:masterClrMapping/>
+  </p:clrMapOvr>
+  <p:timing>
+    <p:tnLst>
+      <p:par>
+        <p:cTn id="1" dur="indefinite" restart="never" nodeType="tmRoot"/>
+      </p:par>
+    </p:tnLst>
+  </p:timing>
+</p:sld>
+</file>
+
+<file path=ppt/slides/slide6.xml><?xml version="1.0" encoding="utf-8"?>
+<p:sld xmlns:a="http://schemas.openxmlformats.org/drawingml/2006/main" xmlns:r="http://schemas.openxmlformats.org/officeDocument/2006/relationships" xmlns:p="http://schemas.openxmlformats.org/presentationml/2006/main">
+  <p:cSld>
+    <p:spTree>
+      <p:nvGrpSpPr>
+        <p:cNvPr id="1" name=""/>
+        <p:cNvGrpSpPr/>
+        <p:nvPr/>
+      </p:nvGrpSpPr>
+      <p:grpSpPr>
+        <a:xfrm>
+          <a:off x="0" y="0"/>
+          <a:ext cx="0" cy="0"/>
+          <a:chOff x="0" y="0"/>
+          <a:chExt cx="0" cy="0"/>
+        </a:xfrm>
+      </p:grpSpPr>
+      <p:sp>
+        <p:nvSpPr>
+          <p:cNvPr id="4" name="Title 3"/>
+          <p:cNvSpPr>
+            <a:spLocks noGrp="1"/>
+          </p:cNvSpPr>
+          <p:nvPr>
             <p:ph type="ctrTitle"/>
           </p:nvPr>
         </p:nvSpPr>
@@ -10240,7 +10399,7 @@
     </p:spTree>
     <p:extLst>
       <p:ext uri="{BB962C8B-B14F-4D97-AF65-F5344CB8AC3E}">
-        <p14:creationId xmlns:p14="http://schemas.microsoft.com/office/powerpoint/2010/main" xmlns="" val="854123118"/>
+        <p14:creationId xmlns:p14="http://schemas.microsoft.com/office/powerpoint/2010/main" val="854123118"/>
       </p:ext>
     </p:extLst>
   </p:cSld>
